--- a/markdown/files/slides/lecture5_pqs.pptx
+++ b/markdown/files/slides/lecture5_pqs.pptx
@@ -5,55 +5,52 @@
     <p:sldMasterId id="2147483648" r:id="rId1"/>
   </p:sldMasterIdLst>
   <p:notesMasterIdLst>
-    <p:notesMasterId r:id="rId41"/>
+    <p:notesMasterId r:id="rId38"/>
   </p:notesMasterIdLst>
   <p:sldIdLst>
     <p:sldId id="256" r:id="rId2"/>
     <p:sldId id="412" r:id="rId3"/>
-    <p:sldId id="413" r:id="rId4"/>
-    <p:sldId id="414" r:id="rId5"/>
-    <p:sldId id="415" r:id="rId6"/>
-    <p:sldId id="416" r:id="rId7"/>
-    <p:sldId id="453" r:id="rId8"/>
-    <p:sldId id="417" r:id="rId9"/>
-    <p:sldId id="421" r:id="rId10"/>
-    <p:sldId id="418" r:id="rId11"/>
-    <p:sldId id="423" r:id="rId12"/>
-    <p:sldId id="424" r:id="rId13"/>
-    <p:sldId id="425" r:id="rId14"/>
-    <p:sldId id="426" r:id="rId15"/>
-    <p:sldId id="427" r:id="rId16"/>
-    <p:sldId id="428" r:id="rId17"/>
-    <p:sldId id="429" r:id="rId18"/>
-    <p:sldId id="430" r:id="rId19"/>
-    <p:sldId id="431" r:id="rId20"/>
-    <p:sldId id="432" r:id="rId21"/>
-    <p:sldId id="433" r:id="rId22"/>
-    <p:sldId id="434" r:id="rId23"/>
-    <p:sldId id="435" r:id="rId24"/>
-    <p:sldId id="436" r:id="rId25"/>
-    <p:sldId id="437" r:id="rId26"/>
-    <p:sldId id="438" r:id="rId27"/>
-    <p:sldId id="439" r:id="rId28"/>
-    <p:sldId id="440" r:id="rId29"/>
-    <p:sldId id="441" r:id="rId30"/>
-    <p:sldId id="442" r:id="rId31"/>
-    <p:sldId id="443" r:id="rId32"/>
-    <p:sldId id="444" r:id="rId33"/>
-    <p:sldId id="445" r:id="rId34"/>
-    <p:sldId id="446" r:id="rId35"/>
-    <p:sldId id="447" r:id="rId36"/>
-    <p:sldId id="448" r:id="rId37"/>
-    <p:sldId id="449" r:id="rId38"/>
-    <p:sldId id="450" r:id="rId39"/>
-    <p:sldId id="451" r:id="rId40"/>
+    <p:sldId id="415" r:id="rId4"/>
+    <p:sldId id="416" r:id="rId5"/>
+    <p:sldId id="453" r:id="rId6"/>
+    <p:sldId id="417" r:id="rId7"/>
+    <p:sldId id="421" r:id="rId8"/>
+    <p:sldId id="418" r:id="rId9"/>
+    <p:sldId id="423" r:id="rId10"/>
+    <p:sldId id="424" r:id="rId11"/>
+    <p:sldId id="425" r:id="rId12"/>
+    <p:sldId id="426" r:id="rId13"/>
+    <p:sldId id="427" r:id="rId14"/>
+    <p:sldId id="428" r:id="rId15"/>
+    <p:sldId id="429" r:id="rId16"/>
+    <p:sldId id="430" r:id="rId17"/>
+    <p:sldId id="431" r:id="rId18"/>
+    <p:sldId id="432" r:id="rId19"/>
+    <p:sldId id="433" r:id="rId20"/>
+    <p:sldId id="434" r:id="rId21"/>
+    <p:sldId id="435" r:id="rId22"/>
+    <p:sldId id="436" r:id="rId23"/>
+    <p:sldId id="437" r:id="rId24"/>
+    <p:sldId id="438" r:id="rId25"/>
+    <p:sldId id="439" r:id="rId26"/>
+    <p:sldId id="440" r:id="rId27"/>
+    <p:sldId id="441" r:id="rId28"/>
+    <p:sldId id="443" r:id="rId29"/>
+    <p:sldId id="444" r:id="rId30"/>
+    <p:sldId id="445" r:id="rId31"/>
+    <p:sldId id="446" r:id="rId32"/>
+    <p:sldId id="447" r:id="rId33"/>
+    <p:sldId id="448" r:id="rId34"/>
+    <p:sldId id="449" r:id="rId35"/>
+    <p:sldId id="450" r:id="rId36"/>
+    <p:sldId id="451" r:id="rId37"/>
   </p:sldIdLst>
   <p:sldSz cx="12192000" cy="6858000"/>
   <p:notesSz cx="6858000" cy="9144000"/>
   <p:embeddedFontLst>
     <p:embeddedFont>
       <p:font typeface="Cambria Math" panose="02040503050406030204" pitchFamily="18" charset="0"/>
-      <p:regular r:id="rId42"/>
+      <p:regular r:id="rId39"/>
     </p:embeddedFont>
   </p:embeddedFontLst>
   <p:defaultTextStyle>
@@ -3843,1542 +3840,6 @@
           <p:cNvPr id="2" name="Title 1">
             <a:extLst>
               <a:ext uri="{FF2B5EF4-FFF2-40B4-BE49-F238E27FC236}">
-                <a16:creationId xmlns:a16="http://schemas.microsoft.com/office/drawing/2014/main" id="{A6BFA069-E0AF-EBEE-3120-4318DF25C837}"/>
-              </a:ext>
-            </a:extLst>
-          </p:cNvPr>
-          <p:cNvSpPr>
-            <a:spLocks noGrp="1"/>
-          </p:cNvSpPr>
-          <p:nvPr>
-            <p:ph type="title"/>
-          </p:nvPr>
-        </p:nvSpPr>
-        <p:spPr/>
-        <p:txBody>
-          <a:bodyPr/>
-          <a:lstStyle/>
-          <a:p>
-            <a:r>
-              <a:rPr lang="en-US" dirty="0"/>
-              <a:t>Priority Queue Data Structure – Heap Idea</a:t>
-            </a:r>
-          </a:p>
-        </p:txBody>
-      </p:sp>
-      <mc:AlternateContent xmlns:mc="http://schemas.openxmlformats.org/markup-compatibility/2006">
-        <mc:Choice xmlns:a14="http://schemas.microsoft.com/office/drawing/2010/main" Requires="a14">
-          <p:sp>
-            <p:nvSpPr>
-              <p:cNvPr id="3" name="Content Placeholder 2">
-                <a:extLst>
-                  <a:ext uri="{FF2B5EF4-FFF2-40B4-BE49-F238E27FC236}">
-                    <a16:creationId xmlns:a16="http://schemas.microsoft.com/office/drawing/2014/main" id="{99CD4E4A-D376-CCD8-BF06-19D9E2D50515}"/>
-                  </a:ext>
-                </a:extLst>
-              </p:cNvPr>
-              <p:cNvSpPr>
-                <a:spLocks noGrp="1"/>
-              </p:cNvSpPr>
-              <p:nvPr>
-                <p:ph idx="1"/>
-              </p:nvPr>
-            </p:nvSpPr>
-            <p:spPr/>
-            <p:txBody>
-              <a:bodyPr/>
-              <a:lstStyle/>
-              <a:p>
-                <a:r>
-                  <a:rPr lang="en-US" dirty="0"/>
-                  <a:t>Idea: Maintain a limited amount of order</a:t>
-                </a:r>
-              </a:p>
-              <a:p>
-                <a14:m>
-                  <m:oMath xmlns:m="http://schemas.openxmlformats.org/officeDocument/2006/math">
-                    <m:r>
-                      <m:rPr>
-                        <m:sty m:val="p"/>
-                      </m:rPr>
-                      <a:rPr lang="en-US" b="0" i="0" smtClean="0">
-                        <a:latin typeface="Cambria Math" panose="02040503050406030204" pitchFamily="18" charset="0"/>
-                      </a:rPr>
-                      <m:t>Θ</m:t>
-                    </m:r>
-                    <m:r>
-                      <a:rPr lang="en-US" b="0" i="1" smtClean="0">
-                        <a:latin typeface="Cambria Math" panose="02040503050406030204" pitchFamily="18" charset="0"/>
-                      </a:rPr>
-                      <m:t>(</m:t>
-                    </m:r>
-                    <m:func>
-                      <m:funcPr>
-                        <m:ctrlPr>
-                          <a:rPr lang="en-US" b="0" i="1" smtClean="0">
-                            <a:latin typeface="Cambria Math" panose="02040503050406030204" pitchFamily="18" charset="0"/>
-                          </a:rPr>
-                        </m:ctrlPr>
-                      </m:funcPr>
-                      <m:fName>
-                        <m:r>
-                          <m:rPr>
-                            <m:sty m:val="p"/>
-                          </m:rPr>
-                          <a:rPr lang="en-US" b="0" i="0" smtClean="0">
-                            <a:latin typeface="Cambria Math" panose="02040503050406030204" pitchFamily="18" charset="0"/>
-                          </a:rPr>
-                          <m:t>log</m:t>
-                        </m:r>
-                      </m:fName>
-                      <m:e>
-                        <m:r>
-                          <a:rPr lang="en-US" b="0" i="1" smtClean="0">
-                            <a:latin typeface="Cambria Math" panose="02040503050406030204" pitchFamily="18" charset="0"/>
-                          </a:rPr>
-                          <m:t>𝑛</m:t>
-                        </m:r>
-                      </m:e>
-                    </m:func>
-                    <m:r>
-                      <a:rPr lang="en-US" b="0" i="1" smtClean="0">
-                        <a:latin typeface="Cambria Math" panose="02040503050406030204" pitchFamily="18" charset="0"/>
-                      </a:rPr>
-                      <m:t>)</m:t>
-                    </m:r>
-                  </m:oMath>
-                </a14:m>
-                <a:r>
-                  <a:rPr lang="en-US" dirty="0"/>
-                  <a:t> worst case for extract and insert</a:t>
-                </a:r>
-              </a:p>
-              <a:p>
-                <a:endParaRPr lang="en-US" dirty="0"/>
-              </a:p>
-            </p:txBody>
-          </p:sp>
-        </mc:Choice>
-        <mc:Fallback>
-          <p:sp>
-            <p:nvSpPr>
-              <p:cNvPr id="3" name="Content Placeholder 2">
-                <a:extLst>
-                  <a:ext uri="{FF2B5EF4-FFF2-40B4-BE49-F238E27FC236}">
-                    <a16:creationId xmlns:a16="http://schemas.microsoft.com/office/drawing/2014/main" id="{99CD4E4A-D376-CCD8-BF06-19D9E2D50515}"/>
-                  </a:ext>
-                </a:extLst>
-              </p:cNvPr>
-              <p:cNvSpPr>
-                <a:spLocks noGrp="1" noRot="1" noChangeAspect="1" noMove="1" noResize="1" noEditPoints="1" noAdjustHandles="1" noChangeArrowheads="1" noChangeShapeType="1" noTextEdit="1"/>
-              </p:cNvSpPr>
-              <p:nvPr>
-                <p:ph idx="1"/>
-              </p:nvPr>
-            </p:nvSpPr>
-            <p:spPr>
-              <a:blipFill>
-                <a:blip r:embed="rId2"/>
-                <a:stretch>
-                  <a:fillRect l="-1043" t="-2241"/>
-                </a:stretch>
-              </a:blipFill>
-            </p:spPr>
-            <p:txBody>
-              <a:bodyPr/>
-              <a:lstStyle/>
-              <a:p>
-                <a:r>
-                  <a:rPr lang="en-US">
-                    <a:noFill/>
-                  </a:rPr>
-                  <a:t> </a:t>
-                </a:r>
-              </a:p>
-            </p:txBody>
-          </p:sp>
-        </mc:Fallback>
-      </mc:AlternateContent>
-      <p:grpSp>
-        <p:nvGrpSpPr>
-          <p:cNvPr id="30" name="Group 29">
-            <a:extLst>
-              <a:ext uri="{FF2B5EF4-FFF2-40B4-BE49-F238E27FC236}">
-                <a16:creationId xmlns:a16="http://schemas.microsoft.com/office/drawing/2014/main" id="{860A17D2-D1DC-EB90-0F1F-B576ACAA6D5B}"/>
-              </a:ext>
-            </a:extLst>
-          </p:cNvPr>
-          <p:cNvGrpSpPr/>
-          <p:nvPr/>
-        </p:nvGrpSpPr>
-        <p:grpSpPr>
-          <a:xfrm>
-            <a:off x="5161281" y="2808212"/>
-            <a:ext cx="6934200" cy="3368751"/>
-            <a:chOff x="2590801" y="2672070"/>
-            <a:chExt cx="6934200" cy="3368751"/>
-          </a:xfrm>
-        </p:grpSpPr>
-        <p:sp>
-          <p:nvSpPr>
-            <p:cNvPr id="4" name="Oval 3">
-              <a:extLst>
-                <a:ext uri="{FF2B5EF4-FFF2-40B4-BE49-F238E27FC236}">
-                  <a16:creationId xmlns:a16="http://schemas.microsoft.com/office/drawing/2014/main" id="{C0E16EF1-E0DE-F370-E581-946E72846104}"/>
-                </a:ext>
-              </a:extLst>
-            </p:cNvPr>
-            <p:cNvSpPr/>
-            <p:nvPr/>
-          </p:nvSpPr>
-          <p:spPr>
-            <a:xfrm>
-              <a:off x="5996855" y="2672070"/>
-              <a:ext cx="688077" cy="688077"/>
-            </a:xfrm>
-            <a:prstGeom prst="ellipse">
-              <a:avLst/>
-            </a:prstGeom>
-            <a:solidFill>
-              <a:schemeClr val="bg1"/>
-            </a:solidFill>
-            <a:ln>
-              <a:solidFill>
-                <a:schemeClr val="tx1"/>
-              </a:solidFill>
-            </a:ln>
-          </p:spPr>
-          <p:style>
-            <a:lnRef idx="2">
-              <a:schemeClr val="accent1">
-                <a:shade val="50000"/>
-              </a:schemeClr>
-            </a:lnRef>
-            <a:fillRef idx="1">
-              <a:schemeClr val="accent1"/>
-            </a:fillRef>
-            <a:effectRef idx="0">
-              <a:schemeClr val="accent1"/>
-            </a:effectRef>
-            <a:fontRef idx="minor">
-              <a:schemeClr val="lt1"/>
-            </a:fontRef>
-          </p:style>
-          <p:txBody>
-            <a:bodyPr rtlCol="0" anchor="ctr"/>
-            <a:lstStyle/>
-            <a:p>
-              <a:pPr algn="ctr"/>
-              <a:r>
-                <a:rPr lang="en-US" dirty="0">
-                  <a:solidFill>
-                    <a:schemeClr val="tx1"/>
-                  </a:solidFill>
-                </a:rPr>
-                <a:t>1</a:t>
-              </a:r>
-            </a:p>
-          </p:txBody>
-        </p:sp>
-        <p:sp>
-          <p:nvSpPr>
-            <p:cNvPr id="5" name="Oval 4">
-              <a:extLst>
-                <a:ext uri="{FF2B5EF4-FFF2-40B4-BE49-F238E27FC236}">
-                  <a16:creationId xmlns:a16="http://schemas.microsoft.com/office/drawing/2014/main" id="{245C3EBE-556C-5377-E6B8-DD961CEA7DFD}"/>
-                </a:ext>
-              </a:extLst>
-            </p:cNvPr>
-            <p:cNvSpPr/>
-            <p:nvPr/>
-          </p:nvSpPr>
-          <p:spPr>
-            <a:xfrm>
-              <a:off x="4191001" y="3682289"/>
-              <a:ext cx="688077" cy="688077"/>
-            </a:xfrm>
-            <a:prstGeom prst="ellipse">
-              <a:avLst/>
-            </a:prstGeom>
-            <a:noFill/>
-            <a:ln>
-              <a:solidFill>
-                <a:schemeClr val="tx1"/>
-              </a:solidFill>
-            </a:ln>
-          </p:spPr>
-          <p:style>
-            <a:lnRef idx="2">
-              <a:schemeClr val="accent1">
-                <a:shade val="50000"/>
-              </a:schemeClr>
-            </a:lnRef>
-            <a:fillRef idx="1">
-              <a:schemeClr val="accent1"/>
-            </a:fillRef>
-            <a:effectRef idx="0">
-              <a:schemeClr val="accent1"/>
-            </a:effectRef>
-            <a:fontRef idx="minor">
-              <a:schemeClr val="lt1"/>
-            </a:fontRef>
-          </p:style>
-          <p:txBody>
-            <a:bodyPr rtlCol="0" anchor="ctr"/>
-            <a:lstStyle/>
-            <a:p>
-              <a:pPr algn="ctr"/>
-              <a:r>
-                <a:rPr lang="en-US" dirty="0">
-                  <a:solidFill>
-                    <a:schemeClr val="tx1"/>
-                  </a:solidFill>
-                </a:rPr>
-                <a:t>3</a:t>
-              </a:r>
-            </a:p>
-          </p:txBody>
-        </p:sp>
-        <p:sp>
-          <p:nvSpPr>
-            <p:cNvPr id="6" name="Oval 5">
-              <a:extLst>
-                <a:ext uri="{FF2B5EF4-FFF2-40B4-BE49-F238E27FC236}">
-                  <a16:creationId xmlns:a16="http://schemas.microsoft.com/office/drawing/2014/main" id="{60B45233-474B-D142-219F-3E2B3AC692B9}"/>
-                </a:ext>
-              </a:extLst>
-            </p:cNvPr>
-            <p:cNvSpPr/>
-            <p:nvPr/>
-          </p:nvSpPr>
-          <p:spPr>
-            <a:xfrm>
-              <a:off x="7858499" y="3653913"/>
-              <a:ext cx="688077" cy="688077"/>
-            </a:xfrm>
-            <a:prstGeom prst="ellipse">
-              <a:avLst/>
-            </a:prstGeom>
-            <a:solidFill>
-              <a:schemeClr val="bg1"/>
-            </a:solidFill>
-            <a:ln>
-              <a:solidFill>
-                <a:schemeClr val="tx1"/>
-              </a:solidFill>
-            </a:ln>
-          </p:spPr>
-          <p:style>
-            <a:lnRef idx="2">
-              <a:schemeClr val="accent1">
-                <a:shade val="50000"/>
-              </a:schemeClr>
-            </a:lnRef>
-            <a:fillRef idx="1">
-              <a:schemeClr val="accent1"/>
-            </a:fillRef>
-            <a:effectRef idx="0">
-              <a:schemeClr val="accent1"/>
-            </a:effectRef>
-            <a:fontRef idx="minor">
-              <a:schemeClr val="lt1"/>
-            </a:fontRef>
-          </p:style>
-          <p:txBody>
-            <a:bodyPr rtlCol="0" anchor="ctr"/>
-            <a:lstStyle/>
-            <a:p>
-              <a:pPr algn="ctr"/>
-              <a:r>
-                <a:rPr lang="en-US" dirty="0">
-                  <a:solidFill>
-                    <a:schemeClr val="tx1"/>
-                  </a:solidFill>
-                </a:rPr>
-                <a:t>2</a:t>
-              </a:r>
-            </a:p>
-          </p:txBody>
-        </p:sp>
-        <p:sp>
-          <p:nvSpPr>
-            <p:cNvPr id="7" name="Oval 6">
-              <a:extLst>
-                <a:ext uri="{FF2B5EF4-FFF2-40B4-BE49-F238E27FC236}">
-                  <a16:creationId xmlns:a16="http://schemas.microsoft.com/office/drawing/2014/main" id="{AE202AD5-FD55-ED1F-2E5A-AA6DE5FB534F}"/>
-                </a:ext>
-              </a:extLst>
-            </p:cNvPr>
-            <p:cNvSpPr/>
-            <p:nvPr/>
-          </p:nvSpPr>
-          <p:spPr>
-            <a:xfrm>
-              <a:off x="3200401" y="4383504"/>
-              <a:ext cx="688077" cy="688077"/>
-            </a:xfrm>
-            <a:prstGeom prst="ellipse">
-              <a:avLst/>
-            </a:prstGeom>
-            <a:solidFill>
-              <a:schemeClr val="bg1"/>
-            </a:solidFill>
-            <a:ln>
-              <a:solidFill>
-                <a:schemeClr val="tx1"/>
-              </a:solidFill>
-            </a:ln>
-          </p:spPr>
-          <p:style>
-            <a:lnRef idx="2">
-              <a:schemeClr val="accent1">
-                <a:shade val="50000"/>
-              </a:schemeClr>
-            </a:lnRef>
-            <a:fillRef idx="1">
-              <a:schemeClr val="accent1"/>
-            </a:fillRef>
-            <a:effectRef idx="0">
-              <a:schemeClr val="accent1"/>
-            </a:effectRef>
-            <a:fontRef idx="minor">
-              <a:schemeClr val="lt1"/>
-            </a:fontRef>
-          </p:style>
-          <p:txBody>
-            <a:bodyPr rtlCol="0" anchor="ctr"/>
-            <a:lstStyle/>
-            <a:p>
-              <a:pPr algn="ctr"/>
-              <a:r>
-                <a:rPr lang="en-US" dirty="0">
-                  <a:solidFill>
-                    <a:schemeClr val="tx1"/>
-                  </a:solidFill>
-                </a:rPr>
-                <a:t>4</a:t>
-              </a:r>
-            </a:p>
-          </p:txBody>
-        </p:sp>
-        <p:sp>
-          <p:nvSpPr>
-            <p:cNvPr id="8" name="Oval 7">
-              <a:extLst>
-                <a:ext uri="{FF2B5EF4-FFF2-40B4-BE49-F238E27FC236}">
-                  <a16:creationId xmlns:a16="http://schemas.microsoft.com/office/drawing/2014/main" id="{B55CF38E-7DC0-6240-8663-B411669B6536}"/>
-                </a:ext>
-              </a:extLst>
-            </p:cNvPr>
-            <p:cNvSpPr/>
-            <p:nvPr/>
-          </p:nvSpPr>
-          <p:spPr>
-            <a:xfrm>
-              <a:off x="5211206" y="4425368"/>
-              <a:ext cx="688077" cy="688077"/>
-            </a:xfrm>
-            <a:prstGeom prst="ellipse">
-              <a:avLst/>
-            </a:prstGeom>
-            <a:solidFill>
-              <a:schemeClr val="bg1"/>
-            </a:solidFill>
-            <a:ln>
-              <a:solidFill>
-                <a:schemeClr val="tx1"/>
-              </a:solidFill>
-            </a:ln>
-          </p:spPr>
-          <p:style>
-            <a:lnRef idx="2">
-              <a:schemeClr val="accent1">
-                <a:shade val="50000"/>
-              </a:schemeClr>
-            </a:lnRef>
-            <a:fillRef idx="1">
-              <a:schemeClr val="accent1"/>
-            </a:fillRef>
-            <a:effectRef idx="0">
-              <a:schemeClr val="accent1"/>
-            </a:effectRef>
-            <a:fontRef idx="minor">
-              <a:schemeClr val="lt1"/>
-            </a:fontRef>
-          </p:style>
-          <p:txBody>
-            <a:bodyPr rtlCol="0" anchor="ctr"/>
-            <a:lstStyle/>
-            <a:p>
-              <a:pPr algn="ctr"/>
-              <a:r>
-                <a:rPr lang="en-US" dirty="0">
-                  <a:solidFill>
-                    <a:schemeClr val="tx1"/>
-                  </a:solidFill>
-                </a:rPr>
-                <a:t>7</a:t>
-              </a:r>
-            </a:p>
-          </p:txBody>
-        </p:sp>
-        <p:sp>
-          <p:nvSpPr>
-            <p:cNvPr id="9" name="Oval 8">
-              <a:extLst>
-                <a:ext uri="{FF2B5EF4-FFF2-40B4-BE49-F238E27FC236}">
-                  <a16:creationId xmlns:a16="http://schemas.microsoft.com/office/drawing/2014/main" id="{7F4CC478-74A8-998F-9A93-3856DF9C77CF}"/>
-                </a:ext>
-              </a:extLst>
-            </p:cNvPr>
-            <p:cNvSpPr/>
-            <p:nvPr/>
-          </p:nvSpPr>
-          <p:spPr>
-            <a:xfrm>
-              <a:off x="6934201" y="4341990"/>
-              <a:ext cx="688077" cy="688077"/>
-            </a:xfrm>
-            <a:prstGeom prst="ellipse">
-              <a:avLst/>
-            </a:prstGeom>
-            <a:solidFill>
-              <a:schemeClr val="bg1"/>
-            </a:solidFill>
-            <a:ln>
-              <a:solidFill>
-                <a:schemeClr val="tx1"/>
-              </a:solidFill>
-            </a:ln>
-          </p:spPr>
-          <p:style>
-            <a:lnRef idx="2">
-              <a:schemeClr val="accent1">
-                <a:shade val="50000"/>
-              </a:schemeClr>
-            </a:lnRef>
-            <a:fillRef idx="1">
-              <a:schemeClr val="accent1"/>
-            </a:fillRef>
-            <a:effectRef idx="0">
-              <a:schemeClr val="accent1"/>
-            </a:effectRef>
-            <a:fontRef idx="minor">
-              <a:schemeClr val="lt1"/>
-            </a:fontRef>
-          </p:style>
-          <p:txBody>
-            <a:bodyPr rtlCol="0" anchor="ctr"/>
-            <a:lstStyle/>
-            <a:p>
-              <a:pPr algn="ctr"/>
-              <a:r>
-                <a:rPr lang="en-US" dirty="0">
-                  <a:solidFill>
-                    <a:schemeClr val="tx1"/>
-                  </a:solidFill>
-                </a:rPr>
-                <a:t>5</a:t>
-              </a:r>
-            </a:p>
-          </p:txBody>
-        </p:sp>
-        <p:sp>
-          <p:nvSpPr>
-            <p:cNvPr id="10" name="Oval 9">
-              <a:extLst>
-                <a:ext uri="{FF2B5EF4-FFF2-40B4-BE49-F238E27FC236}">
-                  <a16:creationId xmlns:a16="http://schemas.microsoft.com/office/drawing/2014/main" id="{E0E3CC96-BBE6-289E-ED25-7D583BF06E09}"/>
-                </a:ext>
-              </a:extLst>
-            </p:cNvPr>
-            <p:cNvSpPr/>
-            <p:nvPr/>
-          </p:nvSpPr>
-          <p:spPr>
-            <a:xfrm>
-              <a:off x="8836924" y="4341990"/>
-              <a:ext cx="688077" cy="688077"/>
-            </a:xfrm>
-            <a:prstGeom prst="ellipse">
-              <a:avLst/>
-            </a:prstGeom>
-            <a:solidFill>
-              <a:schemeClr val="bg1"/>
-            </a:solidFill>
-            <a:ln>
-              <a:solidFill>
-                <a:schemeClr val="tx1"/>
-              </a:solidFill>
-            </a:ln>
-          </p:spPr>
-          <p:style>
-            <a:lnRef idx="2">
-              <a:schemeClr val="accent1">
-                <a:shade val="50000"/>
-              </a:schemeClr>
-            </a:lnRef>
-            <a:fillRef idx="1">
-              <a:schemeClr val="accent1"/>
-            </a:fillRef>
-            <a:effectRef idx="0">
-              <a:schemeClr val="accent1"/>
-            </a:effectRef>
-            <a:fontRef idx="minor">
-              <a:schemeClr val="lt1"/>
-            </a:fontRef>
-          </p:style>
-          <p:txBody>
-            <a:bodyPr rtlCol="0" anchor="ctr"/>
-            <a:lstStyle/>
-            <a:p>
-              <a:pPr algn="ctr"/>
-              <a:r>
-                <a:rPr lang="en-US" dirty="0">
-                  <a:solidFill>
-                    <a:schemeClr val="tx1"/>
-                  </a:solidFill>
-                </a:rPr>
-                <a:t>6</a:t>
-              </a:r>
-            </a:p>
-          </p:txBody>
-        </p:sp>
-        <p:sp>
-          <p:nvSpPr>
-            <p:cNvPr id="11" name="Oval 10">
-              <a:extLst>
-                <a:ext uri="{FF2B5EF4-FFF2-40B4-BE49-F238E27FC236}">
-                  <a16:creationId xmlns:a16="http://schemas.microsoft.com/office/drawing/2014/main" id="{1E4DD672-6BA5-032B-AF77-D37A27D159F3}"/>
-                </a:ext>
-              </a:extLst>
-            </p:cNvPr>
-            <p:cNvSpPr/>
-            <p:nvPr/>
-          </p:nvSpPr>
-          <p:spPr>
-            <a:xfrm>
-              <a:off x="2590801" y="5352744"/>
-              <a:ext cx="688077" cy="688077"/>
-            </a:xfrm>
-            <a:prstGeom prst="ellipse">
-              <a:avLst/>
-            </a:prstGeom>
-            <a:solidFill>
-              <a:schemeClr val="bg1"/>
-            </a:solidFill>
-            <a:ln>
-              <a:solidFill>
-                <a:schemeClr val="tx1"/>
-              </a:solidFill>
-            </a:ln>
-          </p:spPr>
-          <p:style>
-            <a:lnRef idx="2">
-              <a:schemeClr val="accent1">
-                <a:shade val="50000"/>
-              </a:schemeClr>
-            </a:lnRef>
-            <a:fillRef idx="1">
-              <a:schemeClr val="accent1"/>
-            </a:fillRef>
-            <a:effectRef idx="0">
-              <a:schemeClr val="accent1"/>
-            </a:effectRef>
-            <a:fontRef idx="minor">
-              <a:schemeClr val="lt1"/>
-            </a:fontRef>
-          </p:style>
-          <p:txBody>
-            <a:bodyPr rtlCol="0" anchor="ctr"/>
-            <a:lstStyle/>
-            <a:p>
-              <a:pPr algn="ctr"/>
-              <a:r>
-                <a:rPr lang="en-US" dirty="0">
-                  <a:solidFill>
-                    <a:schemeClr val="tx1"/>
-                  </a:solidFill>
-                </a:rPr>
-                <a:t>5</a:t>
-              </a:r>
-            </a:p>
-          </p:txBody>
-        </p:sp>
-        <p:sp>
-          <p:nvSpPr>
-            <p:cNvPr id="12" name="Oval 11">
-              <a:extLst>
-                <a:ext uri="{FF2B5EF4-FFF2-40B4-BE49-F238E27FC236}">
-                  <a16:creationId xmlns:a16="http://schemas.microsoft.com/office/drawing/2014/main" id="{201B6D2E-E2AA-4C8C-1EAD-8C12D7FF3633}"/>
-                </a:ext>
-              </a:extLst>
-            </p:cNvPr>
-            <p:cNvSpPr/>
-            <p:nvPr/>
-          </p:nvSpPr>
-          <p:spPr>
-            <a:xfrm>
-              <a:off x="3733801" y="5352744"/>
-              <a:ext cx="688077" cy="688077"/>
-            </a:xfrm>
-            <a:prstGeom prst="ellipse">
-              <a:avLst/>
-            </a:prstGeom>
-            <a:solidFill>
-              <a:schemeClr val="bg1"/>
-            </a:solidFill>
-            <a:ln>
-              <a:solidFill>
-                <a:schemeClr val="tx1"/>
-              </a:solidFill>
-            </a:ln>
-          </p:spPr>
-          <p:style>
-            <a:lnRef idx="2">
-              <a:schemeClr val="accent1">
-                <a:shade val="50000"/>
-              </a:schemeClr>
-            </a:lnRef>
-            <a:fillRef idx="1">
-              <a:schemeClr val="accent1"/>
-            </a:fillRef>
-            <a:effectRef idx="0">
-              <a:schemeClr val="accent1"/>
-            </a:effectRef>
-            <a:fontRef idx="minor">
-              <a:schemeClr val="lt1"/>
-            </a:fontRef>
-          </p:style>
-          <p:txBody>
-            <a:bodyPr rtlCol="0" anchor="ctr"/>
-            <a:lstStyle/>
-            <a:p>
-              <a:pPr algn="ctr"/>
-              <a:r>
-                <a:rPr lang="en-US" dirty="0">
-                  <a:solidFill>
-                    <a:schemeClr val="tx1"/>
-                  </a:solidFill>
-                </a:rPr>
-                <a:t>9</a:t>
-              </a:r>
-            </a:p>
-          </p:txBody>
-        </p:sp>
-        <p:cxnSp>
-          <p:nvCxnSpPr>
-            <p:cNvPr id="13" name="Straight Connector 12">
-              <a:extLst>
-                <a:ext uri="{FF2B5EF4-FFF2-40B4-BE49-F238E27FC236}">
-                  <a16:creationId xmlns:a16="http://schemas.microsoft.com/office/drawing/2014/main" id="{3248F384-51C8-527F-7FB4-5BBB372B6677}"/>
-                </a:ext>
-              </a:extLst>
-            </p:cNvPr>
-            <p:cNvCxnSpPr>
-              <a:cxnSpLocks/>
-              <a:stCxn id="4" idx="3"/>
-              <a:endCxn id="5" idx="7"/>
-            </p:cNvCxnSpPr>
-            <p:nvPr/>
-          </p:nvCxnSpPr>
-          <p:spPr>
-            <a:xfrm flipH="1">
-              <a:off x="4778311" y="3259380"/>
-              <a:ext cx="1319311" cy="523676"/>
-            </a:xfrm>
-            <a:prstGeom prst="line">
-              <a:avLst/>
-            </a:prstGeom>
-            <a:ln>
-              <a:solidFill>
-                <a:schemeClr val="tx1"/>
-              </a:solidFill>
-            </a:ln>
-          </p:spPr>
-          <p:style>
-            <a:lnRef idx="1">
-              <a:schemeClr val="accent1"/>
-            </a:lnRef>
-            <a:fillRef idx="0">
-              <a:schemeClr val="accent1"/>
-            </a:fillRef>
-            <a:effectRef idx="0">
-              <a:schemeClr val="accent1"/>
-            </a:effectRef>
-            <a:fontRef idx="minor">
-              <a:schemeClr val="tx1"/>
-            </a:fontRef>
-          </p:style>
-        </p:cxnSp>
-        <p:cxnSp>
-          <p:nvCxnSpPr>
-            <p:cNvPr id="14" name="Straight Connector 13">
-              <a:extLst>
-                <a:ext uri="{FF2B5EF4-FFF2-40B4-BE49-F238E27FC236}">
-                  <a16:creationId xmlns:a16="http://schemas.microsoft.com/office/drawing/2014/main" id="{1002DF07-0E13-B858-3BA7-5900F9516216}"/>
-                </a:ext>
-              </a:extLst>
-            </p:cNvPr>
-            <p:cNvCxnSpPr>
-              <a:cxnSpLocks/>
-              <a:stCxn id="4" idx="5"/>
-              <a:endCxn id="6" idx="1"/>
-            </p:cNvCxnSpPr>
-            <p:nvPr/>
-          </p:nvCxnSpPr>
-          <p:spPr>
-            <a:xfrm>
-              <a:off x="6584165" y="3259380"/>
-              <a:ext cx="1375101" cy="495300"/>
-            </a:xfrm>
-            <a:prstGeom prst="line">
-              <a:avLst/>
-            </a:prstGeom>
-            <a:ln>
-              <a:solidFill>
-                <a:schemeClr val="tx1"/>
-              </a:solidFill>
-            </a:ln>
-          </p:spPr>
-          <p:style>
-            <a:lnRef idx="1">
-              <a:schemeClr val="accent1"/>
-            </a:lnRef>
-            <a:fillRef idx="0">
-              <a:schemeClr val="accent1"/>
-            </a:fillRef>
-            <a:effectRef idx="0">
-              <a:schemeClr val="accent1"/>
-            </a:effectRef>
-            <a:fontRef idx="minor">
-              <a:schemeClr val="tx1"/>
-            </a:fontRef>
-          </p:style>
-        </p:cxnSp>
-        <p:cxnSp>
-          <p:nvCxnSpPr>
-            <p:cNvPr id="15" name="Straight Connector 14">
-              <a:extLst>
-                <a:ext uri="{FF2B5EF4-FFF2-40B4-BE49-F238E27FC236}">
-                  <a16:creationId xmlns:a16="http://schemas.microsoft.com/office/drawing/2014/main" id="{C184EDD4-811C-EDDD-E685-8BB995834CA3}"/>
-                </a:ext>
-              </a:extLst>
-            </p:cNvPr>
-            <p:cNvCxnSpPr>
-              <a:stCxn id="8" idx="1"/>
-              <a:endCxn id="5" idx="5"/>
-            </p:cNvCxnSpPr>
-            <p:nvPr/>
-          </p:nvCxnSpPr>
-          <p:spPr>
-            <a:xfrm flipH="1" flipV="1">
-              <a:off x="4778310" y="4269598"/>
-              <a:ext cx="533662" cy="256536"/>
-            </a:xfrm>
-            <a:prstGeom prst="line">
-              <a:avLst/>
-            </a:prstGeom>
-            <a:ln>
-              <a:solidFill>
-                <a:schemeClr val="tx1"/>
-              </a:solidFill>
-            </a:ln>
-          </p:spPr>
-          <p:style>
-            <a:lnRef idx="1">
-              <a:schemeClr val="accent1"/>
-            </a:lnRef>
-            <a:fillRef idx="0">
-              <a:schemeClr val="accent1"/>
-            </a:fillRef>
-            <a:effectRef idx="0">
-              <a:schemeClr val="accent1"/>
-            </a:effectRef>
-            <a:fontRef idx="minor">
-              <a:schemeClr val="tx1"/>
-            </a:fontRef>
-          </p:style>
-        </p:cxnSp>
-        <p:cxnSp>
-          <p:nvCxnSpPr>
-            <p:cNvPr id="16" name="Straight Connector 15">
-              <a:extLst>
-                <a:ext uri="{FF2B5EF4-FFF2-40B4-BE49-F238E27FC236}">
-                  <a16:creationId xmlns:a16="http://schemas.microsoft.com/office/drawing/2014/main" id="{8D010E68-C147-D53D-76FA-0AC012CD9A6F}"/>
-                </a:ext>
-              </a:extLst>
-            </p:cNvPr>
-            <p:cNvCxnSpPr>
-              <a:stCxn id="7" idx="7"/>
-              <a:endCxn id="5" idx="3"/>
-            </p:cNvCxnSpPr>
-            <p:nvPr/>
-          </p:nvCxnSpPr>
-          <p:spPr>
-            <a:xfrm flipV="1">
-              <a:off x="3787711" y="4269598"/>
-              <a:ext cx="504057" cy="214672"/>
-            </a:xfrm>
-            <a:prstGeom prst="line">
-              <a:avLst/>
-            </a:prstGeom>
-            <a:ln>
-              <a:solidFill>
-                <a:schemeClr val="tx1"/>
-              </a:solidFill>
-            </a:ln>
-          </p:spPr>
-          <p:style>
-            <a:lnRef idx="1">
-              <a:schemeClr val="accent1"/>
-            </a:lnRef>
-            <a:fillRef idx="0">
-              <a:schemeClr val="accent1"/>
-            </a:fillRef>
-            <a:effectRef idx="0">
-              <a:schemeClr val="accent1"/>
-            </a:effectRef>
-            <a:fontRef idx="minor">
-              <a:schemeClr val="tx1"/>
-            </a:fontRef>
-          </p:style>
-        </p:cxnSp>
-        <p:cxnSp>
-          <p:nvCxnSpPr>
-            <p:cNvPr id="17" name="Straight Connector 16">
-              <a:extLst>
-                <a:ext uri="{FF2B5EF4-FFF2-40B4-BE49-F238E27FC236}">
-                  <a16:creationId xmlns:a16="http://schemas.microsoft.com/office/drawing/2014/main" id="{9C35A445-FC36-61C2-4F6B-88DF180C943C}"/>
-                </a:ext>
-              </a:extLst>
-            </p:cNvPr>
-            <p:cNvCxnSpPr>
-              <a:stCxn id="12" idx="0"/>
-              <a:endCxn id="7" idx="5"/>
-            </p:cNvCxnSpPr>
-            <p:nvPr/>
-          </p:nvCxnSpPr>
-          <p:spPr>
-            <a:xfrm flipH="1" flipV="1">
-              <a:off x="3787711" y="4970813"/>
-              <a:ext cx="290129" cy="381930"/>
-            </a:xfrm>
-            <a:prstGeom prst="line">
-              <a:avLst/>
-            </a:prstGeom>
-            <a:ln>
-              <a:solidFill>
-                <a:schemeClr val="tx1"/>
-              </a:solidFill>
-            </a:ln>
-          </p:spPr>
-          <p:style>
-            <a:lnRef idx="1">
-              <a:schemeClr val="accent1"/>
-            </a:lnRef>
-            <a:fillRef idx="0">
-              <a:schemeClr val="accent1"/>
-            </a:fillRef>
-            <a:effectRef idx="0">
-              <a:schemeClr val="accent1"/>
-            </a:effectRef>
-            <a:fontRef idx="minor">
-              <a:schemeClr val="tx1"/>
-            </a:fontRef>
-          </p:style>
-        </p:cxnSp>
-        <p:cxnSp>
-          <p:nvCxnSpPr>
-            <p:cNvPr id="18" name="Straight Connector 17">
-              <a:extLst>
-                <a:ext uri="{FF2B5EF4-FFF2-40B4-BE49-F238E27FC236}">
-                  <a16:creationId xmlns:a16="http://schemas.microsoft.com/office/drawing/2014/main" id="{16173BE8-0C63-61AC-C82D-DA0736EC7C33}"/>
-                </a:ext>
-              </a:extLst>
-            </p:cNvPr>
-            <p:cNvCxnSpPr>
-              <a:stCxn id="11" idx="0"/>
-              <a:endCxn id="7" idx="3"/>
-            </p:cNvCxnSpPr>
-            <p:nvPr/>
-          </p:nvCxnSpPr>
-          <p:spPr>
-            <a:xfrm flipV="1">
-              <a:off x="2934839" y="4970813"/>
-              <a:ext cx="366328" cy="381930"/>
-            </a:xfrm>
-            <a:prstGeom prst="line">
-              <a:avLst/>
-            </a:prstGeom>
-            <a:ln>
-              <a:solidFill>
-                <a:schemeClr val="tx1"/>
-              </a:solidFill>
-            </a:ln>
-          </p:spPr>
-          <p:style>
-            <a:lnRef idx="1">
-              <a:schemeClr val="accent1"/>
-            </a:lnRef>
-            <a:fillRef idx="0">
-              <a:schemeClr val="accent1"/>
-            </a:fillRef>
-            <a:effectRef idx="0">
-              <a:schemeClr val="accent1"/>
-            </a:effectRef>
-            <a:fontRef idx="minor">
-              <a:schemeClr val="tx1"/>
-            </a:fontRef>
-          </p:style>
-        </p:cxnSp>
-        <p:cxnSp>
-          <p:nvCxnSpPr>
-            <p:cNvPr id="19" name="Straight Connector 18">
-              <a:extLst>
-                <a:ext uri="{FF2B5EF4-FFF2-40B4-BE49-F238E27FC236}">
-                  <a16:creationId xmlns:a16="http://schemas.microsoft.com/office/drawing/2014/main" id="{5859FA23-DDB5-C437-52D4-C8687D34BF71}"/>
-                </a:ext>
-              </a:extLst>
-            </p:cNvPr>
-            <p:cNvCxnSpPr>
-              <a:stCxn id="9" idx="7"/>
-              <a:endCxn id="6" idx="3"/>
-            </p:cNvCxnSpPr>
-            <p:nvPr/>
-          </p:nvCxnSpPr>
-          <p:spPr>
-            <a:xfrm flipV="1">
-              <a:off x="7521511" y="4241222"/>
-              <a:ext cx="437755" cy="201534"/>
-            </a:xfrm>
-            <a:prstGeom prst="line">
-              <a:avLst/>
-            </a:prstGeom>
-            <a:ln>
-              <a:solidFill>
-                <a:schemeClr val="tx1"/>
-              </a:solidFill>
-            </a:ln>
-          </p:spPr>
-          <p:style>
-            <a:lnRef idx="1">
-              <a:schemeClr val="accent1"/>
-            </a:lnRef>
-            <a:fillRef idx="0">
-              <a:schemeClr val="accent1"/>
-            </a:fillRef>
-            <a:effectRef idx="0">
-              <a:schemeClr val="accent1"/>
-            </a:effectRef>
-            <a:fontRef idx="minor">
-              <a:schemeClr val="tx1"/>
-            </a:fontRef>
-          </p:style>
-        </p:cxnSp>
-        <p:cxnSp>
-          <p:nvCxnSpPr>
-            <p:cNvPr id="20" name="Straight Connector 19">
-              <a:extLst>
-                <a:ext uri="{FF2B5EF4-FFF2-40B4-BE49-F238E27FC236}">
-                  <a16:creationId xmlns:a16="http://schemas.microsoft.com/office/drawing/2014/main" id="{9F0309B5-D192-7F29-3E8C-A9BE86027085}"/>
-                </a:ext>
-              </a:extLst>
-            </p:cNvPr>
-            <p:cNvCxnSpPr>
-              <a:stCxn id="10" idx="1"/>
-              <a:endCxn id="6" idx="5"/>
-            </p:cNvCxnSpPr>
-            <p:nvPr/>
-          </p:nvCxnSpPr>
-          <p:spPr>
-            <a:xfrm flipH="1" flipV="1">
-              <a:off x="8445808" y="4241222"/>
-              <a:ext cx="491882" cy="201534"/>
-            </a:xfrm>
-            <a:prstGeom prst="line">
-              <a:avLst/>
-            </a:prstGeom>
-            <a:ln>
-              <a:solidFill>
-                <a:schemeClr val="tx1"/>
-              </a:solidFill>
-            </a:ln>
-          </p:spPr>
-          <p:style>
-            <a:lnRef idx="1">
-              <a:schemeClr val="accent1"/>
-            </a:lnRef>
-            <a:fillRef idx="0">
-              <a:schemeClr val="accent1"/>
-            </a:fillRef>
-            <a:effectRef idx="0">
-              <a:schemeClr val="accent1"/>
-            </a:effectRef>
-            <a:fontRef idx="minor">
-              <a:schemeClr val="tx1"/>
-            </a:fontRef>
-          </p:style>
-        </p:cxnSp>
-      </p:grpSp>
-    </p:spTree>
-    <p:extLst>
-      <p:ext uri="{BB962C8B-B14F-4D97-AF65-F5344CB8AC3E}">
-        <p14:creationId xmlns:p14="http://schemas.microsoft.com/office/powerpoint/2010/main" val="52072767"/>
-      </p:ext>
-    </p:extLst>
-  </p:cSld>
-  <p:clrMapOvr>
-    <a:masterClrMapping/>
-  </p:clrMapOvr>
-</p:sld>
-</file>
-
-<file path=ppt/slides/slide11.xml><?xml version="1.0" encoding="utf-8"?>
-<p:sld xmlns:a="http://schemas.openxmlformats.org/drawingml/2006/main" xmlns:r="http://schemas.openxmlformats.org/officeDocument/2006/relationships" xmlns:p="http://schemas.openxmlformats.org/presentationml/2006/main">
-  <p:cSld>
-    <p:spTree>
-      <p:nvGrpSpPr>
-        <p:cNvPr id="1" name=""/>
-        <p:cNvGrpSpPr/>
-        <p:nvPr/>
-      </p:nvGrpSpPr>
-      <p:grpSpPr>
-        <a:xfrm>
-          <a:off x="0" y="0"/>
-          <a:ext cx="0" cy="0"/>
-          <a:chOff x="0" y="0"/>
-          <a:chExt cx="0" cy="0"/>
-        </a:xfrm>
-      </p:grpSpPr>
-      <p:sp>
-        <p:nvSpPr>
-          <p:cNvPr id="2" name="Title 1">
-            <a:extLst>
-              <a:ext uri="{FF2B5EF4-FFF2-40B4-BE49-F238E27FC236}">
-                <a16:creationId xmlns:a16="http://schemas.microsoft.com/office/drawing/2014/main" id="{7CEA206E-E4F0-F25D-7FB9-EC12CCD00DB7}"/>
-              </a:ext>
-            </a:extLst>
-          </p:cNvPr>
-          <p:cNvSpPr>
-            <a:spLocks noGrp="1"/>
-          </p:cNvSpPr>
-          <p:nvPr>
-            <p:ph type="title"/>
-          </p:nvPr>
-        </p:nvSpPr>
-        <p:spPr/>
-        <p:txBody>
-          <a:bodyPr/>
-          <a:lstStyle/>
-          <a:p>
-            <a:r>
-              <a:rPr lang="en-US" dirty="0"/>
-              <a:t>Challenge!</a:t>
-            </a:r>
-          </a:p>
-        </p:txBody>
-      </p:sp>
-      <mc:AlternateContent xmlns:mc="http://schemas.openxmlformats.org/markup-compatibility/2006" xmlns:a14="http://schemas.microsoft.com/office/drawing/2010/main">
-        <mc:Choice Requires="a14">
-          <p:sp>
-            <p:nvSpPr>
-              <p:cNvPr id="3" name="Content Placeholder 2">
-                <a:extLst>
-                  <a:ext uri="{FF2B5EF4-FFF2-40B4-BE49-F238E27FC236}">
-                    <a16:creationId xmlns:a16="http://schemas.microsoft.com/office/drawing/2014/main" id="{B18C1EDC-77CF-F245-8CDE-E3968F223C83}"/>
-                  </a:ext>
-                </a:extLst>
-              </p:cNvPr>
-              <p:cNvSpPr>
-                <a:spLocks noGrp="1"/>
-              </p:cNvSpPr>
-              <p:nvPr>
-                <p:ph idx="1"/>
-              </p:nvPr>
-            </p:nvSpPr>
-            <p:spPr/>
-            <p:txBody>
-              <a:bodyPr>
-                <a:normAutofit/>
-              </a:bodyPr>
-              <a:lstStyle/>
-              <a:p>
-                <a:r>
-                  <a:rPr lang="en-US" dirty="0"/>
-                  <a:t>What is the maximum number of total nodes in a binary tree of height </a:t>
-                </a:r>
-                <a14:m>
-                  <m:oMath xmlns:m="http://schemas.openxmlformats.org/officeDocument/2006/math">
-                    <m:r>
-                      <a:rPr lang="en-US" b="0" i="1" smtClean="0">
-                        <a:latin typeface="Cambria Math" panose="02040503050406030204" pitchFamily="18" charset="0"/>
-                      </a:rPr>
-                      <m:t>h</m:t>
-                    </m:r>
-                  </m:oMath>
-                </a14:m>
-                <a:r>
-                  <a:rPr lang="en-US" dirty="0"/>
-                  <a:t>?</a:t>
-                </a:r>
-              </a:p>
-              <a:p>
-                <a:pPr lvl="1"/>
-                <a14:m>
-                  <m:oMath xmlns:m="http://schemas.openxmlformats.org/officeDocument/2006/math">
-                    <m:sSup>
-                      <m:sSupPr>
-                        <m:ctrlPr>
-                          <a:rPr lang="en-US" b="0" i="1" smtClean="0">
-                            <a:latin typeface="Cambria Math" panose="02040503050406030204" pitchFamily="18" charset="0"/>
-                          </a:rPr>
-                        </m:ctrlPr>
-                      </m:sSupPr>
-                      <m:e>
-                        <m:r>
-                          <a:rPr lang="en-US" b="0" i="1" smtClean="0">
-                            <a:latin typeface="Cambria Math" panose="02040503050406030204" pitchFamily="18" charset="0"/>
-                          </a:rPr>
-                          <m:t>2</m:t>
-                        </m:r>
-                      </m:e>
-                      <m:sup>
-                        <m:r>
-                          <a:rPr lang="en-US" b="0" i="1" smtClean="0">
-                            <a:latin typeface="Cambria Math" panose="02040503050406030204" pitchFamily="18" charset="0"/>
-                          </a:rPr>
-                          <m:t>h</m:t>
-                        </m:r>
-                        <m:r>
-                          <a:rPr lang="en-US" b="0" i="1" smtClean="0">
-                            <a:latin typeface="Cambria Math" panose="02040503050406030204" pitchFamily="18" charset="0"/>
-                          </a:rPr>
-                          <m:t>+1</m:t>
-                        </m:r>
-                      </m:sup>
-                    </m:sSup>
-                    <m:r>
-                      <a:rPr lang="en-US" b="0" i="1" smtClean="0">
-                        <a:latin typeface="Cambria Math" panose="02040503050406030204" pitchFamily="18" charset="0"/>
-                      </a:rPr>
-                      <m:t>−1</m:t>
-                    </m:r>
-                  </m:oMath>
-                </a14:m>
-                <a:endParaRPr lang="en-US" dirty="0"/>
-              </a:p>
-              <a:p>
-                <a:pPr lvl="1"/>
-                <a14:m>
-                  <m:oMath xmlns:m="http://schemas.openxmlformats.org/officeDocument/2006/math">
-                    <m:r>
-                      <m:rPr>
-                        <m:sty m:val="p"/>
-                      </m:rPr>
-                      <a:rPr lang="en-US" b="0" i="0" smtClean="0">
-                        <a:latin typeface="Cambria Math" panose="02040503050406030204" pitchFamily="18" charset="0"/>
-                      </a:rPr>
-                      <m:t>Θ</m:t>
-                    </m:r>
-                    <m:d>
-                      <m:dPr>
-                        <m:ctrlPr>
-                          <a:rPr lang="en-US" b="0" i="1" smtClean="0">
-                            <a:latin typeface="Cambria Math" panose="02040503050406030204" pitchFamily="18" charset="0"/>
-                          </a:rPr>
-                        </m:ctrlPr>
-                      </m:dPr>
-                      <m:e>
-                        <m:sSup>
-                          <m:sSupPr>
-                            <m:ctrlPr>
-                              <a:rPr lang="en-US" b="0" i="1" smtClean="0">
-                                <a:latin typeface="Cambria Math" panose="02040503050406030204" pitchFamily="18" charset="0"/>
-                              </a:rPr>
-                            </m:ctrlPr>
-                          </m:sSupPr>
-                          <m:e>
-                            <m:r>
-                              <a:rPr lang="en-US" b="0" i="1" smtClean="0">
-                                <a:latin typeface="Cambria Math" panose="02040503050406030204" pitchFamily="18" charset="0"/>
-                              </a:rPr>
-                              <m:t>2</m:t>
-                            </m:r>
-                          </m:e>
-                          <m:sup>
-                            <m:r>
-                              <a:rPr lang="en-US" b="0" i="1" smtClean="0">
-                                <a:latin typeface="Cambria Math" panose="02040503050406030204" pitchFamily="18" charset="0"/>
-                              </a:rPr>
-                              <m:t>h</m:t>
-                            </m:r>
-                          </m:sup>
-                        </m:sSup>
-                      </m:e>
-                    </m:d>
-                  </m:oMath>
-                </a14:m>
-                <a:endParaRPr lang="en-US" dirty="0"/>
-              </a:p>
-              <a:p>
-                <a:r>
-                  <a:rPr lang="en-US" dirty="0"/>
-                  <a:t>If I have </a:t>
-                </a:r>
-                <a14:m>
-                  <m:oMath xmlns:m="http://schemas.openxmlformats.org/officeDocument/2006/math">
-                    <m:r>
-                      <a:rPr lang="en-US" b="0" i="1" smtClean="0">
-                        <a:latin typeface="Cambria Math" panose="02040503050406030204" pitchFamily="18" charset="0"/>
-                      </a:rPr>
-                      <m:t>𝑛</m:t>
-                    </m:r>
-                  </m:oMath>
-                </a14:m>
-                <a:r>
-                  <a:rPr lang="en-US" dirty="0"/>
-                  <a:t> nodes in a binary tree, what is its minimum height?</a:t>
-                </a:r>
-                <a:endParaRPr lang="en-US" b="0" dirty="0"/>
-              </a:p>
-              <a:p>
-                <a:pPr lvl="1"/>
-                <a14:m>
-                  <m:oMath xmlns:m="http://schemas.openxmlformats.org/officeDocument/2006/math">
-                    <m:r>
-                      <m:rPr>
-                        <m:sty m:val="p"/>
-                      </m:rPr>
-                      <a:rPr lang="en-US" b="0" i="0" smtClean="0">
-                        <a:latin typeface="Cambria Math" panose="02040503050406030204" pitchFamily="18" charset="0"/>
-                      </a:rPr>
-                      <m:t>Θ</m:t>
-                    </m:r>
-                    <m:d>
-                      <m:dPr>
-                        <m:ctrlPr>
-                          <a:rPr lang="en-US" b="0" i="1" smtClean="0">
-                            <a:latin typeface="Cambria Math" panose="02040503050406030204" pitchFamily="18" charset="0"/>
-                          </a:rPr>
-                        </m:ctrlPr>
-                      </m:dPr>
-                      <m:e>
-                        <m:func>
-                          <m:funcPr>
-                            <m:ctrlPr>
-                              <a:rPr lang="en-US" b="0" i="1" smtClean="0">
-                                <a:latin typeface="Cambria Math" panose="02040503050406030204" pitchFamily="18" charset="0"/>
-                              </a:rPr>
-                            </m:ctrlPr>
-                          </m:funcPr>
-                          <m:fName>
-                            <m:r>
-                              <m:rPr>
-                                <m:sty m:val="p"/>
-                              </m:rPr>
-                              <a:rPr lang="en-US" b="0" i="0" smtClean="0">
-                                <a:latin typeface="Cambria Math" panose="02040503050406030204" pitchFamily="18" charset="0"/>
-                              </a:rPr>
-                              <m:t>log</m:t>
-                            </m:r>
-                          </m:fName>
-                          <m:e>
-                            <m:r>
-                              <a:rPr lang="en-US" b="0" i="1" smtClean="0">
-                                <a:latin typeface="Cambria Math" panose="02040503050406030204" pitchFamily="18" charset="0"/>
-                              </a:rPr>
-                              <m:t>𝑛</m:t>
-                            </m:r>
-                          </m:e>
-                        </m:func>
-                      </m:e>
-                    </m:d>
-                  </m:oMath>
-                </a14:m>
-                <a:endParaRPr lang="en-US" dirty="0"/>
-              </a:p>
-              <a:p>
-                <a:pPr lvl="1"/>
-                <a:endParaRPr lang="en-US" dirty="0"/>
-              </a:p>
-              <a:p>
-                <a:r>
-                  <a:rPr lang="en-US" dirty="0">
-                    <a:solidFill>
-                      <a:srgbClr val="FF0000"/>
-                    </a:solidFill>
-                  </a:rPr>
-                  <a:t>Heap Idea:</a:t>
-                </a:r>
-              </a:p>
-              <a:p>
-                <a:pPr lvl="1"/>
-                <a:r>
-                  <a:rPr lang="en-US" dirty="0">
-                    <a:solidFill>
-                      <a:srgbClr val="FF0000"/>
-                    </a:solidFill>
-                  </a:rPr>
-                  <a:t>If </a:t>
-                </a:r>
-                <a14:m>
-                  <m:oMath xmlns:m="http://schemas.openxmlformats.org/officeDocument/2006/math">
-                    <m:r>
-                      <a:rPr lang="en-US" b="0" i="1" smtClean="0">
-                        <a:solidFill>
-                          <a:srgbClr val="FF0000"/>
-                        </a:solidFill>
-                        <a:latin typeface="Cambria Math" panose="02040503050406030204" pitchFamily="18" charset="0"/>
-                      </a:rPr>
-                      <m:t>𝑛</m:t>
-                    </m:r>
-                  </m:oMath>
-                </a14:m>
-                <a:r>
-                  <a:rPr lang="en-US" dirty="0">
-                    <a:solidFill>
-                      <a:srgbClr val="FF0000"/>
-                    </a:solidFill>
-                  </a:rPr>
-                  <a:t> values are inserted into a complete tree, the height will be roughly </a:t>
-                </a:r>
-                <a14:m>
-                  <m:oMath xmlns:m="http://schemas.openxmlformats.org/officeDocument/2006/math">
-                    <m:func>
-                      <m:funcPr>
-                        <m:ctrlPr>
-                          <a:rPr lang="en-US" b="0" i="1" smtClean="0">
-                            <a:solidFill>
-                              <a:srgbClr val="FF0000"/>
-                            </a:solidFill>
-                            <a:latin typeface="Cambria Math" panose="02040503050406030204" pitchFamily="18" charset="0"/>
-                          </a:rPr>
-                        </m:ctrlPr>
-                      </m:funcPr>
-                      <m:fName>
-                        <m:r>
-                          <m:rPr>
-                            <m:sty m:val="p"/>
-                          </m:rPr>
-                          <a:rPr lang="en-US" b="0" i="0" smtClean="0">
-                            <a:solidFill>
-                              <a:srgbClr val="FF0000"/>
-                            </a:solidFill>
-                            <a:latin typeface="Cambria Math" panose="02040503050406030204" pitchFamily="18" charset="0"/>
-                          </a:rPr>
-                          <m:t>log</m:t>
-                        </m:r>
-                      </m:fName>
-                      <m:e>
-                        <m:r>
-                          <a:rPr lang="en-US" b="0" i="1" smtClean="0">
-                            <a:solidFill>
-                              <a:srgbClr val="FF0000"/>
-                            </a:solidFill>
-                            <a:latin typeface="Cambria Math" panose="02040503050406030204" pitchFamily="18" charset="0"/>
-                          </a:rPr>
-                          <m:t>𝑛</m:t>
-                        </m:r>
-                      </m:e>
-                    </m:func>
-                  </m:oMath>
-                </a14:m>
-                <a:endParaRPr lang="en-US" b="0" dirty="0">
-                  <a:solidFill>
-                    <a:srgbClr val="FF0000"/>
-                  </a:solidFill>
-                </a:endParaRPr>
-              </a:p>
-              <a:p>
-                <a:pPr lvl="1"/>
-                <a:r>
-                  <a:rPr lang="en-US" dirty="0">
-                    <a:solidFill>
-                      <a:srgbClr val="FF0000"/>
-                    </a:solidFill>
-                  </a:rPr>
-                  <a:t>Ensure each insert and extract requires just one “trip” from root to leaf</a:t>
-                </a:r>
-              </a:p>
-            </p:txBody>
-          </p:sp>
-        </mc:Choice>
-        <mc:Fallback xmlns="">
-          <p:sp>
-            <p:nvSpPr>
-              <p:cNvPr id="3" name="Content Placeholder 2">
-                <a:extLst>
-                  <a:ext uri="{FF2B5EF4-FFF2-40B4-BE49-F238E27FC236}">
-                    <a16:creationId xmlns:a16="http://schemas.microsoft.com/office/drawing/2014/main" id="{B18C1EDC-77CF-F245-8CDE-E3968F223C83}"/>
-                  </a:ext>
-                </a:extLst>
-              </p:cNvPr>
-              <p:cNvSpPr>
-                <a:spLocks noGrp="1" noRot="1" noChangeAspect="1" noMove="1" noResize="1" noEditPoints="1" noAdjustHandles="1" noChangeArrowheads="1" noChangeShapeType="1" noTextEdit="1"/>
-              </p:cNvSpPr>
-              <p:nvPr>
-                <p:ph idx="1"/>
-              </p:nvPr>
-            </p:nvSpPr>
-            <p:spPr>
-              <a:blipFill>
-                <a:blip r:embed="rId2"/>
-                <a:stretch>
-                  <a:fillRect l="-1043" t="-2241" b="-1681"/>
-                </a:stretch>
-              </a:blipFill>
-            </p:spPr>
-            <p:txBody>
-              <a:bodyPr/>
-              <a:lstStyle/>
-              <a:p>
-                <a:r>
-                  <a:rPr lang="en-US">
-                    <a:noFill/>
-                  </a:rPr>
-                  <a:t> </a:t>
-                </a:r>
-              </a:p>
-            </p:txBody>
-          </p:sp>
-        </mc:Fallback>
-      </mc:AlternateContent>
-    </p:spTree>
-    <p:extLst>
-      <p:ext uri="{BB962C8B-B14F-4D97-AF65-F5344CB8AC3E}">
-        <p14:creationId xmlns:p14="http://schemas.microsoft.com/office/powerpoint/2010/main" val="153890225"/>
-      </p:ext>
-    </p:extLst>
-  </p:cSld>
-  <p:clrMapOvr>
-    <a:masterClrMapping/>
-  </p:clrMapOvr>
-</p:sld>
-</file>
-
-<file path=ppt/slides/slide12.xml><?xml version="1.0" encoding="utf-8"?>
-<p:sld xmlns:a="http://schemas.openxmlformats.org/drawingml/2006/main" xmlns:r="http://schemas.openxmlformats.org/officeDocument/2006/relationships" xmlns:p="http://schemas.openxmlformats.org/presentationml/2006/main">
-  <p:cSld>
-    <p:spTree>
-      <p:nvGrpSpPr>
-        <p:cNvPr id="1" name=""/>
-        <p:cNvGrpSpPr/>
-        <p:nvPr/>
-      </p:nvGrpSpPr>
-      <p:grpSpPr>
-        <a:xfrm>
-          <a:off x="0" y="0"/>
-          <a:ext cx="0" cy="0"/>
-          <a:chOff x="0" y="0"/>
-          <a:chExt cx="0" cy="0"/>
-        </a:xfrm>
-      </p:grpSpPr>
-      <p:sp>
-        <p:nvSpPr>
-          <p:cNvPr id="2" name="Title 1">
-            <a:extLst>
-              <a:ext uri="{FF2B5EF4-FFF2-40B4-BE49-F238E27FC236}">
                 <a16:creationId xmlns:a16="http://schemas.microsoft.com/office/drawing/2014/main" id="{9B10BF59-083A-CA08-93EA-90DDC967B0F2}"/>
               </a:ext>
             </a:extLst>
@@ -6481,7 +4942,7 @@
 </p:sld>
 </file>
 
-<file path=ppt/slides/slide13.xml><?xml version="1.0" encoding="utf-8"?>
+<file path=ppt/slides/slide11.xml><?xml version="1.0" encoding="utf-8"?>
 <p:sld xmlns:a="http://schemas.openxmlformats.org/drawingml/2006/main" xmlns:r="http://schemas.openxmlformats.org/officeDocument/2006/relationships" xmlns:p="http://schemas.openxmlformats.org/presentationml/2006/main">
   <p:cSld>
     <p:spTree>
@@ -7606,7 +6067,7 @@
 </p:sld>
 </file>
 
-<file path=ppt/slides/slide14.xml><?xml version="1.0" encoding="utf-8"?>
+<file path=ppt/slides/slide12.xml><?xml version="1.0" encoding="utf-8"?>
 <p:sld xmlns:a="http://schemas.openxmlformats.org/drawingml/2006/main" xmlns:r="http://schemas.openxmlformats.org/officeDocument/2006/relationships" xmlns:p="http://schemas.openxmlformats.org/presentationml/2006/main">
   <p:cSld>
     <p:spTree>
@@ -8784,7 +7245,7 @@
 </p:sld>
 </file>
 
-<file path=ppt/slides/slide15.xml><?xml version="1.0" encoding="utf-8"?>
+<file path=ppt/slides/slide13.xml><?xml version="1.0" encoding="utf-8"?>
 <p:sld xmlns:a="http://schemas.openxmlformats.org/drawingml/2006/main" xmlns:r="http://schemas.openxmlformats.org/officeDocument/2006/relationships" xmlns:p="http://schemas.openxmlformats.org/presentationml/2006/main">
   <p:cSld>
     <p:spTree>
@@ -10058,7 +8519,7 @@
 </p:sld>
 </file>
 
-<file path=ppt/slides/slide16.xml><?xml version="1.0" encoding="utf-8"?>
+<file path=ppt/slides/slide14.xml><?xml version="1.0" encoding="utf-8"?>
 <p:sld xmlns:a="http://schemas.openxmlformats.org/drawingml/2006/main" xmlns:r="http://schemas.openxmlformats.org/officeDocument/2006/relationships" xmlns:p="http://schemas.openxmlformats.org/presentationml/2006/main">
   <p:cSld>
     <p:spTree>
@@ -11334,7 +9795,7 @@
 </p:sld>
 </file>
 
-<file path=ppt/slides/slide17.xml><?xml version="1.0" encoding="utf-8"?>
+<file path=ppt/slides/slide15.xml><?xml version="1.0" encoding="utf-8"?>
 <p:sld xmlns:a="http://schemas.openxmlformats.org/drawingml/2006/main" xmlns:r="http://schemas.openxmlformats.org/officeDocument/2006/relationships" xmlns:p="http://schemas.openxmlformats.org/presentationml/2006/main">
   <p:cSld>
     <p:spTree>
@@ -12496,7 +10957,7 @@
 </p:sld>
 </file>
 
-<file path=ppt/slides/slide18.xml><?xml version="1.0" encoding="utf-8"?>
+<file path=ppt/slides/slide16.xml><?xml version="1.0" encoding="utf-8"?>
 <p:sld xmlns:a="http://schemas.openxmlformats.org/drawingml/2006/main" xmlns:r="http://schemas.openxmlformats.org/officeDocument/2006/relationships" xmlns:p="http://schemas.openxmlformats.org/presentationml/2006/main">
   <p:cSld>
     <p:spTree>
@@ -13804,7 +12265,7 @@
 </p:sld>
 </file>
 
-<file path=ppt/slides/slide19.xml><?xml version="1.0" encoding="utf-8"?>
+<file path=ppt/slides/slide17.xml><?xml version="1.0" encoding="utf-8"?>
 <p:sld xmlns:a="http://schemas.openxmlformats.org/drawingml/2006/main" xmlns:r="http://schemas.openxmlformats.org/officeDocument/2006/relationships" xmlns:p="http://schemas.openxmlformats.org/presentationml/2006/main">
   <p:cSld>
     <p:spTree>
@@ -15137,186 +13598,7 @@
 </p:sld>
 </file>
 
-<file path=ppt/slides/slide2.xml><?xml version="1.0" encoding="utf-8"?>
-<p:sld xmlns:a="http://schemas.openxmlformats.org/drawingml/2006/main" xmlns:r="http://schemas.openxmlformats.org/officeDocument/2006/relationships" xmlns:p="http://schemas.openxmlformats.org/presentationml/2006/main">
-  <p:cSld>
-    <p:spTree>
-      <p:nvGrpSpPr>
-        <p:cNvPr id="1" name=""/>
-        <p:cNvGrpSpPr/>
-        <p:nvPr/>
-      </p:nvGrpSpPr>
-      <p:grpSpPr>
-        <a:xfrm>
-          <a:off x="0" y="0"/>
-          <a:ext cx="0" cy="0"/>
-          <a:chOff x="0" y="0"/>
-          <a:chExt cx="0" cy="0"/>
-        </a:xfrm>
-      </p:grpSpPr>
-      <p:sp>
-        <p:nvSpPr>
-          <p:cNvPr id="2" name="Title 1">
-            <a:extLst>
-              <a:ext uri="{FF2B5EF4-FFF2-40B4-BE49-F238E27FC236}">
-                <a16:creationId xmlns:a16="http://schemas.microsoft.com/office/drawing/2014/main" id="{D70D41E5-465C-EBB5-E9CD-029376B833DF}"/>
-              </a:ext>
-            </a:extLst>
-          </p:cNvPr>
-          <p:cNvSpPr>
-            <a:spLocks noGrp="1"/>
-          </p:cNvSpPr>
-          <p:nvPr>
-            <p:ph type="title"/>
-          </p:nvPr>
-        </p:nvSpPr>
-        <p:spPr/>
-        <p:txBody>
-          <a:bodyPr/>
-          <a:lstStyle/>
-          <a:p>
-            <a:r>
-              <a:rPr lang="en-US" dirty="0"/>
-              <a:t>ADT: Priority Queue</a:t>
-            </a:r>
-          </a:p>
-        </p:txBody>
-      </p:sp>
-      <p:sp>
-        <p:nvSpPr>
-          <p:cNvPr id="3" name="Content Placeholder 2">
-            <a:extLst>
-              <a:ext uri="{FF2B5EF4-FFF2-40B4-BE49-F238E27FC236}">
-                <a16:creationId xmlns:a16="http://schemas.microsoft.com/office/drawing/2014/main" id="{B5EF048E-DA88-5227-7793-0EE138E7390F}"/>
-              </a:ext>
-            </a:extLst>
-          </p:cNvPr>
-          <p:cNvSpPr>
-            <a:spLocks noGrp="1"/>
-          </p:cNvSpPr>
-          <p:nvPr>
-            <p:ph idx="1"/>
-          </p:nvPr>
-        </p:nvSpPr>
-        <p:spPr/>
-        <p:txBody>
-          <a:bodyPr>
-            <a:normAutofit fontScale="92500" lnSpcReduction="20000"/>
-          </a:bodyPr>
-          <a:lstStyle/>
-          <a:p>
-            <a:r>
-              <a:rPr lang="en-US" dirty="0"/>
-              <a:t>What is it?</a:t>
-            </a:r>
-          </a:p>
-          <a:p>
-            <a:pPr lvl="1"/>
-            <a:r>
-              <a:rPr lang="en-US" dirty="0"/>
-              <a:t>A collection of items and their “priorities”</a:t>
-            </a:r>
-          </a:p>
-          <a:p>
-            <a:pPr lvl="1"/>
-            <a:r>
-              <a:rPr lang="en-US" dirty="0"/>
-              <a:t>Allows quick access/removal to the “top priority” thing</a:t>
-            </a:r>
-          </a:p>
-          <a:p>
-            <a:pPr lvl="2"/>
-            <a:r>
-              <a:rPr lang="en-US" dirty="0"/>
-              <a:t>Usually a smaller priority value means the item is “more important”</a:t>
-            </a:r>
-          </a:p>
-          <a:p>
-            <a:r>
-              <a:rPr lang="en-US" dirty="0"/>
-              <a:t>What Operations do we need?</a:t>
-            </a:r>
-          </a:p>
-          <a:p>
-            <a:pPr lvl="1"/>
-            <a:r>
-              <a:rPr lang="en-US" dirty="0"/>
-              <a:t>insert(item, priority)</a:t>
-            </a:r>
-          </a:p>
-          <a:p>
-            <a:pPr lvl="2"/>
-            <a:r>
-              <a:rPr lang="en-US" dirty="0"/>
-              <a:t>Add a new item to the PQ with indicated priority</a:t>
-            </a:r>
-          </a:p>
-          <a:p>
-            <a:pPr lvl="1"/>
-            <a:r>
-              <a:rPr lang="en-US" dirty="0"/>
-              <a:t>extract</a:t>
-            </a:r>
-          </a:p>
-          <a:p>
-            <a:pPr lvl="2"/>
-            <a:r>
-              <a:rPr lang="en-US" dirty="0"/>
-              <a:t>Remove and return the “top priority” item from the queue</a:t>
-            </a:r>
-          </a:p>
-          <a:p>
-            <a:pPr lvl="3"/>
-            <a:r>
-              <a:rPr lang="en-US" dirty="0"/>
-              <a:t>Usually the item with the smallest priority value</a:t>
-            </a:r>
-          </a:p>
-          <a:p>
-            <a:pPr lvl="1"/>
-            <a:r>
-              <a:rPr lang="en-US" dirty="0" err="1"/>
-              <a:t>IsEmpty</a:t>
-            </a:r>
-            <a:endParaRPr lang="en-US" dirty="0"/>
-          </a:p>
-          <a:p>
-            <a:pPr lvl="2"/>
-            <a:r>
-              <a:rPr lang="en-US" dirty="0"/>
-              <a:t>Indicate whether or not there are items still on the queue</a:t>
-            </a:r>
-          </a:p>
-          <a:p>
-            <a:r>
-              <a:rPr lang="en-US" dirty="0"/>
-              <a:t>Note: the “priority” value can be any type/class so long as it’s comparable (i.e. you can use “&lt;“ or “</a:t>
-            </a:r>
-            <a:r>
-              <a:rPr lang="en-US" dirty="0" err="1"/>
-              <a:t>compareTo</a:t>
-            </a:r>
-            <a:r>
-              <a:rPr lang="en-US" dirty="0"/>
-              <a:t>” with it)</a:t>
-            </a:r>
-          </a:p>
-        </p:txBody>
-      </p:sp>
-    </p:spTree>
-    <p:extLst>
-      <p:ext uri="{BB962C8B-B14F-4D97-AF65-F5344CB8AC3E}">
-        <p14:creationId xmlns:p14="http://schemas.microsoft.com/office/powerpoint/2010/main" val="284699094"/>
-      </p:ext>
-    </p:extLst>
-  </p:cSld>
-  <p:clrMapOvr>
-    <a:masterClrMapping/>
-  </p:clrMapOvr>
-</p:sld>
-</file>
-
-<file path=ppt/slides/slide20.xml><?xml version="1.0" encoding="utf-8"?>
+<file path=ppt/slides/slide18.xml><?xml version="1.0" encoding="utf-8"?>
 <p:sld xmlns:a="http://schemas.openxmlformats.org/drawingml/2006/main" xmlns:r="http://schemas.openxmlformats.org/officeDocument/2006/relationships" xmlns:p="http://schemas.openxmlformats.org/presentationml/2006/main">
   <p:cSld>
     <p:spTree>
@@ -16670,7 +14952,7 @@
 </p:sld>
 </file>
 
-<file path=ppt/slides/slide21.xml><?xml version="1.0" encoding="utf-8"?>
+<file path=ppt/slides/slide19.xml><?xml version="1.0" encoding="utf-8"?>
 <p:sld xmlns:a="http://schemas.openxmlformats.org/drawingml/2006/main" xmlns:r="http://schemas.openxmlformats.org/officeDocument/2006/relationships" xmlns:p="http://schemas.openxmlformats.org/presentationml/2006/main">
   <p:cSld>
     <p:spTree>
@@ -18024,7 +16306,186 @@
 </p:sld>
 </file>
 
-<file path=ppt/slides/slide22.xml><?xml version="1.0" encoding="utf-8"?>
+<file path=ppt/slides/slide2.xml><?xml version="1.0" encoding="utf-8"?>
+<p:sld xmlns:a="http://schemas.openxmlformats.org/drawingml/2006/main" xmlns:r="http://schemas.openxmlformats.org/officeDocument/2006/relationships" xmlns:p="http://schemas.openxmlformats.org/presentationml/2006/main">
+  <p:cSld>
+    <p:spTree>
+      <p:nvGrpSpPr>
+        <p:cNvPr id="1" name=""/>
+        <p:cNvGrpSpPr/>
+        <p:nvPr/>
+      </p:nvGrpSpPr>
+      <p:grpSpPr>
+        <a:xfrm>
+          <a:off x="0" y="0"/>
+          <a:ext cx="0" cy="0"/>
+          <a:chOff x="0" y="0"/>
+          <a:chExt cx="0" cy="0"/>
+        </a:xfrm>
+      </p:grpSpPr>
+      <p:sp>
+        <p:nvSpPr>
+          <p:cNvPr id="2" name="Title 1">
+            <a:extLst>
+              <a:ext uri="{FF2B5EF4-FFF2-40B4-BE49-F238E27FC236}">
+                <a16:creationId xmlns:a16="http://schemas.microsoft.com/office/drawing/2014/main" id="{D70D41E5-465C-EBB5-E9CD-029376B833DF}"/>
+              </a:ext>
+            </a:extLst>
+          </p:cNvPr>
+          <p:cNvSpPr>
+            <a:spLocks noGrp="1"/>
+          </p:cNvSpPr>
+          <p:nvPr>
+            <p:ph type="title"/>
+          </p:nvPr>
+        </p:nvSpPr>
+        <p:spPr/>
+        <p:txBody>
+          <a:bodyPr/>
+          <a:lstStyle/>
+          <a:p>
+            <a:r>
+              <a:rPr lang="en-US" dirty="0"/>
+              <a:t>ADT: Priority Queue</a:t>
+            </a:r>
+          </a:p>
+        </p:txBody>
+      </p:sp>
+      <p:sp>
+        <p:nvSpPr>
+          <p:cNvPr id="3" name="Content Placeholder 2">
+            <a:extLst>
+              <a:ext uri="{FF2B5EF4-FFF2-40B4-BE49-F238E27FC236}">
+                <a16:creationId xmlns:a16="http://schemas.microsoft.com/office/drawing/2014/main" id="{B5EF048E-DA88-5227-7793-0EE138E7390F}"/>
+              </a:ext>
+            </a:extLst>
+          </p:cNvPr>
+          <p:cNvSpPr>
+            <a:spLocks noGrp="1"/>
+          </p:cNvSpPr>
+          <p:nvPr>
+            <p:ph idx="1"/>
+          </p:nvPr>
+        </p:nvSpPr>
+        <p:spPr/>
+        <p:txBody>
+          <a:bodyPr>
+            <a:normAutofit fontScale="92500" lnSpcReduction="20000"/>
+          </a:bodyPr>
+          <a:lstStyle/>
+          <a:p>
+            <a:r>
+              <a:rPr lang="en-US" dirty="0"/>
+              <a:t>What is it?</a:t>
+            </a:r>
+          </a:p>
+          <a:p>
+            <a:pPr lvl="1"/>
+            <a:r>
+              <a:rPr lang="en-US" dirty="0"/>
+              <a:t>A collection of items and their “priorities”</a:t>
+            </a:r>
+          </a:p>
+          <a:p>
+            <a:pPr lvl="1"/>
+            <a:r>
+              <a:rPr lang="en-US" dirty="0"/>
+              <a:t>Allows quick access/removal to the “top priority” thing</a:t>
+            </a:r>
+          </a:p>
+          <a:p>
+            <a:pPr lvl="2"/>
+            <a:r>
+              <a:rPr lang="en-US" dirty="0"/>
+              <a:t>Usually a smaller priority value means the item is “more important”</a:t>
+            </a:r>
+          </a:p>
+          <a:p>
+            <a:r>
+              <a:rPr lang="en-US" dirty="0"/>
+              <a:t>What Operations do we need?</a:t>
+            </a:r>
+          </a:p>
+          <a:p>
+            <a:pPr lvl="1"/>
+            <a:r>
+              <a:rPr lang="en-US" dirty="0"/>
+              <a:t>insert(item, priority)</a:t>
+            </a:r>
+          </a:p>
+          <a:p>
+            <a:pPr lvl="2"/>
+            <a:r>
+              <a:rPr lang="en-US" dirty="0"/>
+              <a:t>Add a new item to the PQ with indicated priority</a:t>
+            </a:r>
+          </a:p>
+          <a:p>
+            <a:pPr lvl="1"/>
+            <a:r>
+              <a:rPr lang="en-US" dirty="0"/>
+              <a:t>extract</a:t>
+            </a:r>
+          </a:p>
+          <a:p>
+            <a:pPr lvl="2"/>
+            <a:r>
+              <a:rPr lang="en-US" dirty="0"/>
+              <a:t>Remove and return the “top priority” item from the queue</a:t>
+            </a:r>
+          </a:p>
+          <a:p>
+            <a:pPr lvl="3"/>
+            <a:r>
+              <a:rPr lang="en-US" dirty="0"/>
+              <a:t>Usually the item with the smallest priority value</a:t>
+            </a:r>
+          </a:p>
+          <a:p>
+            <a:pPr lvl="1"/>
+            <a:r>
+              <a:rPr lang="en-US" dirty="0" err="1"/>
+              <a:t>IsEmpty</a:t>
+            </a:r>
+            <a:endParaRPr lang="en-US" dirty="0"/>
+          </a:p>
+          <a:p>
+            <a:pPr lvl="2"/>
+            <a:r>
+              <a:rPr lang="en-US" dirty="0"/>
+              <a:t>Indicate whether or not there are items still on the queue</a:t>
+            </a:r>
+          </a:p>
+          <a:p>
+            <a:r>
+              <a:rPr lang="en-US" dirty="0"/>
+              <a:t>Note: the “priority” value can be any type/class so long as it’s comparable (i.e. you can use “&lt;“ or “</a:t>
+            </a:r>
+            <a:r>
+              <a:rPr lang="en-US" dirty="0" err="1"/>
+              <a:t>compareTo</a:t>
+            </a:r>
+            <a:r>
+              <a:rPr lang="en-US" dirty="0"/>
+              <a:t>” with it)</a:t>
+            </a:r>
+          </a:p>
+        </p:txBody>
+      </p:sp>
+    </p:spTree>
+    <p:extLst>
+      <p:ext uri="{BB962C8B-B14F-4D97-AF65-F5344CB8AC3E}">
+        <p14:creationId xmlns:p14="http://schemas.microsoft.com/office/powerpoint/2010/main" val="284699094"/>
+      </p:ext>
+    </p:extLst>
+  </p:cSld>
+  <p:clrMapOvr>
+    <a:masterClrMapping/>
+  </p:clrMapOvr>
+</p:sld>
+</file>
+
+<file path=ppt/slides/slide20.xml><?xml version="1.0" encoding="utf-8"?>
 <p:sld xmlns:a="http://schemas.openxmlformats.org/drawingml/2006/main" xmlns:r="http://schemas.openxmlformats.org/officeDocument/2006/relationships" xmlns:p="http://schemas.openxmlformats.org/presentationml/2006/main">
   <p:cSld>
     <p:spTree>
@@ -19234,7 +17695,7 @@
 </p:sld>
 </file>
 
-<file path=ppt/slides/slide23.xml><?xml version="1.0" encoding="utf-8"?>
+<file path=ppt/slides/slide21.xml><?xml version="1.0" encoding="utf-8"?>
 <p:sld xmlns:a="http://schemas.openxmlformats.org/drawingml/2006/main" xmlns:r="http://schemas.openxmlformats.org/officeDocument/2006/relationships" xmlns:p="http://schemas.openxmlformats.org/presentationml/2006/main">
   <p:cSld>
     <p:spTree>
@@ -19455,7 +17916,7 @@
 </p:sld>
 </file>
 
-<file path=ppt/slides/slide24.xml><?xml version="1.0" encoding="utf-8"?>
+<file path=ppt/slides/slide22.xml><?xml version="1.0" encoding="utf-8"?>
 <p:sld xmlns:a="http://schemas.openxmlformats.org/drawingml/2006/main" xmlns:r="http://schemas.openxmlformats.org/officeDocument/2006/relationships" xmlns:p="http://schemas.openxmlformats.org/presentationml/2006/main">
   <p:cSld>
     <p:spTree>
@@ -21967,7 +20428,7 @@
 </p:sld>
 </file>
 
-<file path=ppt/slides/slide25.xml><?xml version="1.0" encoding="utf-8"?>
+<file path=ppt/slides/slide23.xml><?xml version="1.0" encoding="utf-8"?>
 <p:sld xmlns:a="http://schemas.openxmlformats.org/drawingml/2006/main" xmlns:r="http://schemas.openxmlformats.org/officeDocument/2006/relationships" xmlns:p="http://schemas.openxmlformats.org/presentationml/2006/main">
   <p:cSld>
     <p:spTree>
@@ -22007,13 +20468,8 @@
           <a:p>
             <a:r>
               <a:rPr lang="en-US" dirty="0"/>
-              <a:t>Insert </a:t>
+              <a:t>Insert Pseudocode</a:t>
             </a:r>
-            <a:r>
-              <a:rPr lang="en-US" dirty="0" err="1"/>
-              <a:t>Psuedocode</a:t>
-            </a:r>
-            <a:endParaRPr lang="en-US" dirty="0"/>
           </a:p>
         </p:txBody>
       </p:sp>
@@ -24552,7 +23008,7 @@
 </p:sld>
 </file>
 
-<file path=ppt/slides/slide26.xml><?xml version="1.0" encoding="utf-8"?>
+<file path=ppt/slides/slide24.xml><?xml version="1.0" encoding="utf-8"?>
 <p:sld xmlns:a="http://schemas.openxmlformats.org/drawingml/2006/main" xmlns:r="http://schemas.openxmlformats.org/officeDocument/2006/relationships" xmlns:p="http://schemas.openxmlformats.org/presentationml/2006/main">
   <p:cSld>
     <p:spTree>
@@ -24917,7 +23373,7 @@
 </p:sld>
 </file>
 
-<file path=ppt/slides/slide27.xml><?xml version="1.0" encoding="utf-8"?>
+<file path=ppt/slides/slide25.xml><?xml version="1.0" encoding="utf-8"?>
 <p:sld xmlns:a="http://schemas.openxmlformats.org/drawingml/2006/main" xmlns:r="http://schemas.openxmlformats.org/officeDocument/2006/relationships" xmlns:p="http://schemas.openxmlformats.org/presentationml/2006/main">
   <p:cSld>
     <p:spTree>
@@ -24957,13 +23413,8 @@
           <a:p>
             <a:r>
               <a:rPr lang="en-US" dirty="0"/>
-              <a:t>extract </a:t>
+              <a:t>extract Pseudocode</a:t>
             </a:r>
-            <a:r>
-              <a:rPr lang="en-US" dirty="0" err="1"/>
-              <a:t>Psuedocode</a:t>
-            </a:r>
-            <a:endParaRPr lang="en-US" dirty="0"/>
           </a:p>
         </p:txBody>
       </p:sp>
@@ -25121,7 +23572,7 @@
 </p:sld>
 </file>
 
-<file path=ppt/slides/slide28.xml><?xml version="1.0" encoding="utf-8"?>
+<file path=ppt/slides/slide26.xml><?xml version="1.0" encoding="utf-8"?>
 <p:sld xmlns:a="http://schemas.openxmlformats.org/drawingml/2006/main" xmlns:r="http://schemas.openxmlformats.org/officeDocument/2006/relationships" xmlns:p="http://schemas.openxmlformats.org/presentationml/2006/main">
   <p:cSld>
     <p:spTree>
@@ -25715,7 +24166,7 @@
 </p:sld>
 </file>
 
-<file path=ppt/slides/slide29.xml><?xml version="1.0" encoding="utf-8"?>
+<file path=ppt/slides/slide27.xml><?xml version="1.0" encoding="utf-8"?>
 <p:sld xmlns:a="http://schemas.openxmlformats.org/drawingml/2006/main" xmlns:r="http://schemas.openxmlformats.org/officeDocument/2006/relationships" xmlns:p="http://schemas.openxmlformats.org/presentationml/2006/main">
   <p:cSld>
     <p:spTree>
@@ -25797,14 +24248,14 @@
             <a:pPr lvl="2"/>
             <a:r>
               <a:rPr lang="en-US" dirty="0"/>
-              <a:t>Min Heap: Then percolate Down</a:t>
+              <a:t>Min Heap: Then percolate down</a:t>
             </a:r>
           </a:p>
           <a:p>
             <a:pPr lvl="2"/>
             <a:r>
               <a:rPr lang="en-US" dirty="0"/>
-              <a:t>Max Heap: Then percolate Up</a:t>
+              <a:t>Max Heap: Then percolate up</a:t>
             </a:r>
           </a:p>
           <a:p>
@@ -25824,14 +24275,14 @@
             <a:pPr lvl="2"/>
             <a:r>
               <a:rPr lang="en-US" dirty="0"/>
-              <a:t>Min Heap: Then percolate Up</a:t>
+              <a:t>Min Heap: Then percolate up</a:t>
             </a:r>
           </a:p>
           <a:p>
             <a:pPr lvl="2"/>
             <a:r>
               <a:rPr lang="en-US" dirty="0"/>
-              <a:t>Max Heap: Then percolate Down</a:t>
+              <a:t>Max Heap: Then percolate down</a:t>
             </a:r>
           </a:p>
           <a:p>
@@ -25862,354 +24313,7 @@
 </p:sld>
 </file>
 
-<file path=ppt/slides/slide3.xml><?xml version="1.0" encoding="utf-8"?>
-<p:sld xmlns:a="http://schemas.openxmlformats.org/drawingml/2006/main" xmlns:r="http://schemas.openxmlformats.org/officeDocument/2006/relationships" xmlns:p="http://schemas.openxmlformats.org/presentationml/2006/main">
-  <p:cSld>
-    <p:spTree>
-      <p:nvGrpSpPr>
-        <p:cNvPr id="1" name=""/>
-        <p:cNvGrpSpPr/>
-        <p:nvPr/>
-      </p:nvGrpSpPr>
-      <p:grpSpPr>
-        <a:xfrm>
-          <a:off x="0" y="0"/>
-          <a:ext cx="0" cy="0"/>
-          <a:chOff x="0" y="0"/>
-          <a:chExt cx="0" cy="0"/>
-        </a:xfrm>
-      </p:grpSpPr>
-      <p:sp>
-        <p:nvSpPr>
-          <p:cNvPr id="2" name="Title 1">
-            <a:extLst>
-              <a:ext uri="{FF2B5EF4-FFF2-40B4-BE49-F238E27FC236}">
-                <a16:creationId xmlns:a16="http://schemas.microsoft.com/office/drawing/2014/main" id="{944F50DF-811B-A9CC-41FE-BB616356E3DC}"/>
-              </a:ext>
-            </a:extLst>
-          </p:cNvPr>
-          <p:cNvSpPr>
-            <a:spLocks noGrp="1"/>
-          </p:cNvSpPr>
-          <p:nvPr>
-            <p:ph type="title"/>
-          </p:nvPr>
-        </p:nvSpPr>
-        <p:spPr/>
-        <p:txBody>
-          <a:bodyPr/>
-          <a:lstStyle/>
-          <a:p>
-            <a:r>
-              <a:rPr lang="en-US" dirty="0"/>
-              <a:t>Priority Queue, example</a:t>
-            </a:r>
-          </a:p>
-        </p:txBody>
-      </p:sp>
-      <p:sp>
-        <p:nvSpPr>
-          <p:cNvPr id="3" name="Content Placeholder 2">
-            <a:extLst>
-              <a:ext uri="{FF2B5EF4-FFF2-40B4-BE49-F238E27FC236}">
-                <a16:creationId xmlns:a16="http://schemas.microsoft.com/office/drawing/2014/main" id="{324C0527-8F8A-97C7-EE9B-44727DD0B004}"/>
-              </a:ext>
-            </a:extLst>
-          </p:cNvPr>
-          <p:cNvSpPr>
-            <a:spLocks noGrp="1"/>
-          </p:cNvSpPr>
-          <p:nvPr>
-            <p:ph idx="1"/>
-          </p:nvPr>
-        </p:nvSpPr>
-        <p:spPr>
-          <a:xfrm>
-            <a:off x="838200" y="1574800"/>
-            <a:ext cx="10515600" cy="5161279"/>
-          </a:xfrm>
-        </p:spPr>
-        <p:txBody>
-          <a:bodyPr>
-            <a:normAutofit fontScale="92500" lnSpcReduction="10000"/>
-          </a:bodyPr>
-          <a:lstStyle/>
-          <a:p>
-            <a:pPr marL="0" indent="0">
-              <a:buNone/>
-            </a:pPr>
-            <a:r>
-              <a:rPr lang="en-US" dirty="0" err="1"/>
-              <a:t>PriorityQueue</a:t>
-            </a:r>
-            <a:r>
-              <a:rPr lang="en-US" dirty="0"/>
-              <a:t> PQ = new </a:t>
-            </a:r>
-            <a:r>
-              <a:rPr lang="en-US" dirty="0" err="1"/>
-              <a:t>PriorityQueue</a:t>
-            </a:r>
-            <a:r>
-              <a:rPr lang="en-US" dirty="0"/>
-              <a:t>();</a:t>
-            </a:r>
-          </a:p>
-          <a:p>
-            <a:pPr marL="0" indent="0">
-              <a:buNone/>
-            </a:pPr>
-            <a:r>
-              <a:rPr lang="en-US" dirty="0" err="1"/>
-              <a:t>PQ.insert</a:t>
-            </a:r>
-            <a:r>
-              <a:rPr lang="en-US" dirty="0"/>
-              <a:t>(5,5)</a:t>
-            </a:r>
-          </a:p>
-          <a:p>
-            <a:pPr marL="0" indent="0">
-              <a:buNone/>
-            </a:pPr>
-            <a:r>
-              <a:rPr lang="en-US" dirty="0" err="1"/>
-              <a:t>PQ.insert</a:t>
-            </a:r>
-            <a:r>
-              <a:rPr lang="en-US" dirty="0"/>
-              <a:t>(6,6)</a:t>
-            </a:r>
-          </a:p>
-          <a:p>
-            <a:pPr marL="0" indent="0">
-              <a:buNone/>
-            </a:pPr>
-            <a:r>
-              <a:rPr lang="en-US" dirty="0" err="1"/>
-              <a:t>PQ.insert</a:t>
-            </a:r>
-            <a:r>
-              <a:rPr lang="en-US" dirty="0"/>
-              <a:t>(1,1)</a:t>
-            </a:r>
-          </a:p>
-          <a:p>
-            <a:pPr marL="0" indent="0">
-              <a:buNone/>
-            </a:pPr>
-            <a:r>
-              <a:rPr lang="en-US" dirty="0" err="1"/>
-              <a:t>PQ.insert</a:t>
-            </a:r>
-            <a:r>
-              <a:rPr lang="en-US" dirty="0"/>
-              <a:t>(3,3)</a:t>
-            </a:r>
-          </a:p>
-          <a:p>
-            <a:pPr marL="0" indent="0">
-              <a:buNone/>
-            </a:pPr>
-            <a:r>
-              <a:rPr lang="en-US" dirty="0" err="1"/>
-              <a:t>PQ.insert</a:t>
-            </a:r>
-            <a:r>
-              <a:rPr lang="en-US" dirty="0"/>
-              <a:t>(8,8) // PQ has 5, 6, 3, and 8</a:t>
-            </a:r>
-          </a:p>
-          <a:p>
-            <a:pPr marL="0" indent="0">
-              <a:buNone/>
-            </a:pPr>
-            <a:r>
-              <a:rPr lang="en-US" dirty="0"/>
-              <a:t>Print(</a:t>
-            </a:r>
-            <a:r>
-              <a:rPr lang="en-US" dirty="0" err="1"/>
-              <a:t>PQ.extract</a:t>
-            </a:r>
-            <a:r>
-              <a:rPr lang="en-US" dirty="0"/>
-              <a:t>()) // 1</a:t>
-            </a:r>
-          </a:p>
-          <a:p>
-            <a:pPr marL="0" indent="0">
-              <a:buNone/>
-            </a:pPr>
-            <a:r>
-              <a:rPr lang="en-US" dirty="0"/>
-              <a:t>Print(</a:t>
-            </a:r>
-            <a:r>
-              <a:rPr lang="en-US" dirty="0" err="1"/>
-              <a:t>PQ.extract</a:t>
-            </a:r>
-            <a:r>
-              <a:rPr lang="en-US" dirty="0"/>
-              <a:t>()) // 3</a:t>
-            </a:r>
-          </a:p>
-          <a:p>
-            <a:pPr marL="0" indent="0">
-              <a:buNone/>
-            </a:pPr>
-            <a:r>
-              <a:rPr lang="en-US" dirty="0"/>
-              <a:t>Print(</a:t>
-            </a:r>
-            <a:r>
-              <a:rPr lang="en-US" dirty="0" err="1"/>
-              <a:t>PQ.extract</a:t>
-            </a:r>
-            <a:r>
-              <a:rPr lang="en-US" dirty="0"/>
-              <a:t>()) // 5</a:t>
-            </a:r>
-          </a:p>
-          <a:p>
-            <a:pPr marL="0" indent="0">
-              <a:buNone/>
-            </a:pPr>
-            <a:r>
-              <a:rPr lang="en-US" dirty="0"/>
-              <a:t>Print(</a:t>
-            </a:r>
-            <a:r>
-              <a:rPr lang="en-US" dirty="0" err="1"/>
-              <a:t>PQ.extract</a:t>
-            </a:r>
-            <a:r>
-              <a:rPr lang="en-US" dirty="0"/>
-              <a:t>()) // 6</a:t>
-            </a:r>
-          </a:p>
-          <a:p>
-            <a:pPr marL="0" indent="0">
-              <a:buNone/>
-            </a:pPr>
-            <a:r>
-              <a:rPr lang="en-US" dirty="0"/>
-              <a:t>Print(</a:t>
-            </a:r>
-            <a:r>
-              <a:rPr lang="en-US" dirty="0" err="1"/>
-              <a:t>PQ.extract</a:t>
-            </a:r>
-            <a:r>
-              <a:rPr lang="en-US" dirty="0"/>
-              <a:t>()) // 8</a:t>
-            </a:r>
-          </a:p>
-          <a:p>
-            <a:pPr marL="0" indent="0">
-              <a:buNone/>
-            </a:pPr>
-            <a:endParaRPr lang="en-US" dirty="0"/>
-          </a:p>
-        </p:txBody>
-      </p:sp>
-    </p:spTree>
-    <p:extLst>
-      <p:ext uri="{BB962C8B-B14F-4D97-AF65-F5344CB8AC3E}">
-        <p14:creationId xmlns:p14="http://schemas.microsoft.com/office/powerpoint/2010/main" val="3196050653"/>
-      </p:ext>
-    </p:extLst>
-  </p:cSld>
-  <p:clrMapOvr>
-    <a:masterClrMapping/>
-  </p:clrMapOvr>
-</p:sld>
-</file>
-
-<file path=ppt/slides/slide30.xml><?xml version="1.0" encoding="utf-8"?>
-<p:sld xmlns:a="http://schemas.openxmlformats.org/drawingml/2006/main" xmlns:r="http://schemas.openxmlformats.org/officeDocument/2006/relationships" xmlns:p="http://schemas.openxmlformats.org/presentationml/2006/main">
-  <p:cSld>
-    <p:spTree>
-      <p:nvGrpSpPr>
-        <p:cNvPr id="1" name=""/>
-        <p:cNvGrpSpPr/>
-        <p:nvPr/>
-      </p:nvGrpSpPr>
-      <p:grpSpPr>
-        <a:xfrm>
-          <a:off x="0" y="0"/>
-          <a:ext cx="0" cy="0"/>
-          <a:chOff x="0" y="0"/>
-          <a:chExt cx="0" cy="0"/>
-        </a:xfrm>
-      </p:grpSpPr>
-      <p:sp>
-        <p:nvSpPr>
-          <p:cNvPr id="2" name="Title 1">
-            <a:extLst>
-              <a:ext uri="{FF2B5EF4-FFF2-40B4-BE49-F238E27FC236}">
-                <a16:creationId xmlns:a16="http://schemas.microsoft.com/office/drawing/2014/main" id="{CF16FF98-B970-A667-2AA9-84C528A6CE9B}"/>
-              </a:ext>
-            </a:extLst>
-          </p:cNvPr>
-          <p:cNvSpPr>
-            <a:spLocks noGrp="1"/>
-          </p:cNvSpPr>
-          <p:nvPr>
-            <p:ph type="title"/>
-          </p:nvPr>
-        </p:nvSpPr>
-        <p:spPr/>
-        <p:txBody>
-          <a:bodyPr/>
-          <a:lstStyle/>
-          <a:p>
-            <a:r>
-              <a:rPr lang="en-US" dirty="0"/>
-              <a:t>Aside: Expected Running time of Insert</a:t>
-            </a:r>
-          </a:p>
-        </p:txBody>
-      </p:sp>
-      <p:sp>
-        <p:nvSpPr>
-          <p:cNvPr id="3" name="Content Placeholder 2">
-            <a:extLst>
-              <a:ext uri="{FF2B5EF4-FFF2-40B4-BE49-F238E27FC236}">
-                <a16:creationId xmlns:a16="http://schemas.microsoft.com/office/drawing/2014/main" id="{DC0105B8-E866-B0A1-E73C-A00D41E5968D}"/>
-              </a:ext>
-            </a:extLst>
-          </p:cNvPr>
-          <p:cNvSpPr>
-            <a:spLocks noGrp="1"/>
-          </p:cNvSpPr>
-          <p:nvPr>
-            <p:ph idx="1"/>
-          </p:nvPr>
-        </p:nvSpPr>
-        <p:spPr/>
-        <p:txBody>
-          <a:bodyPr/>
-          <a:lstStyle/>
-          <a:p>
-            <a:endParaRPr lang="en-US" dirty="0"/>
-          </a:p>
-        </p:txBody>
-      </p:sp>
-    </p:spTree>
-    <p:extLst>
-      <p:ext uri="{BB962C8B-B14F-4D97-AF65-F5344CB8AC3E}">
-        <p14:creationId xmlns:p14="http://schemas.microsoft.com/office/powerpoint/2010/main" val="3831186314"/>
-      </p:ext>
-    </p:extLst>
-  </p:cSld>
-  <p:clrMapOvr>
-    <a:masterClrMapping/>
-  </p:clrMapOvr>
-</p:sld>
-</file>
-
-<file path=ppt/slides/slide31.xml><?xml version="1.0" encoding="utf-8"?>
+<file path=ppt/slides/slide28.xml><?xml version="1.0" encoding="utf-8"?>
 <p:sld xmlns:a="http://schemas.openxmlformats.org/drawingml/2006/main" xmlns:r="http://schemas.openxmlformats.org/officeDocument/2006/relationships" xmlns:p="http://schemas.openxmlformats.org/presentationml/2006/main">
   <p:cSld>
     <p:spTree>
@@ -29008,7 +27112,7 @@
 </p:sld>
 </file>
 
-<file path=ppt/slides/slide32.xml><?xml version="1.0" encoding="utf-8"?>
+<file path=ppt/slides/slide29.xml><?xml version="1.0" encoding="utf-8"?>
 <p:sld xmlns:a="http://schemas.openxmlformats.org/drawingml/2006/main" xmlns:r="http://schemas.openxmlformats.org/officeDocument/2006/relationships" xmlns:p="http://schemas.openxmlformats.org/presentationml/2006/main">
   <p:cSld>
     <p:spTree>
@@ -29208,7 +27312,92 @@
 </p:sld>
 </file>
 
-<file path=ppt/slides/slide33.xml><?xml version="1.0" encoding="utf-8"?>
+<file path=ppt/slides/slide3.xml><?xml version="1.0" encoding="utf-8"?>
+<p:sld xmlns:a="http://schemas.openxmlformats.org/drawingml/2006/main" xmlns:r="http://schemas.openxmlformats.org/officeDocument/2006/relationships" xmlns:p="http://schemas.openxmlformats.org/presentationml/2006/main">
+  <p:cSld>
+    <p:spTree>
+      <p:nvGrpSpPr>
+        <p:cNvPr id="1" name=""/>
+        <p:cNvGrpSpPr/>
+        <p:nvPr/>
+      </p:nvGrpSpPr>
+      <p:grpSpPr>
+        <a:xfrm>
+          <a:off x="0" y="0"/>
+          <a:ext cx="0" cy="0"/>
+          <a:chOff x="0" y="0"/>
+          <a:chExt cx="0" cy="0"/>
+        </a:xfrm>
+      </p:grpSpPr>
+      <p:sp>
+        <p:nvSpPr>
+          <p:cNvPr id="2" name="Title 1">
+            <a:extLst>
+              <a:ext uri="{FF2B5EF4-FFF2-40B4-BE49-F238E27FC236}">
+                <a16:creationId xmlns:a16="http://schemas.microsoft.com/office/drawing/2014/main" id="{92CACA63-A283-2B9A-141D-40EDAC372513}"/>
+              </a:ext>
+            </a:extLst>
+          </p:cNvPr>
+          <p:cNvSpPr>
+            <a:spLocks noGrp="1"/>
+          </p:cNvSpPr>
+          <p:nvPr>
+            <p:ph type="title"/>
+          </p:nvPr>
+        </p:nvSpPr>
+        <p:spPr/>
+        <p:txBody>
+          <a:bodyPr/>
+          <a:lstStyle/>
+          <a:p>
+            <a:r>
+              <a:rPr lang="en-US" dirty="0"/>
+              <a:t>Applications?</a:t>
+            </a:r>
+          </a:p>
+        </p:txBody>
+      </p:sp>
+      <p:sp>
+        <p:nvSpPr>
+          <p:cNvPr id="3" name="Content Placeholder 2">
+            <a:extLst>
+              <a:ext uri="{FF2B5EF4-FFF2-40B4-BE49-F238E27FC236}">
+                <a16:creationId xmlns:a16="http://schemas.microsoft.com/office/drawing/2014/main" id="{AF75ED34-AF75-C4E8-5894-C0401FAABBE9}"/>
+              </a:ext>
+            </a:extLst>
+          </p:cNvPr>
+          <p:cNvSpPr>
+            <a:spLocks noGrp="1"/>
+          </p:cNvSpPr>
+          <p:nvPr>
+            <p:ph idx="1"/>
+          </p:nvPr>
+        </p:nvSpPr>
+        <p:spPr/>
+        <p:txBody>
+          <a:bodyPr>
+            <a:normAutofit/>
+          </a:bodyPr>
+          <a:lstStyle/>
+          <a:p>
+            <a:endParaRPr lang="en-US" dirty="0"/>
+          </a:p>
+        </p:txBody>
+      </p:sp>
+    </p:spTree>
+    <p:extLst>
+      <p:ext uri="{BB962C8B-B14F-4D97-AF65-F5344CB8AC3E}">
+        <p14:creationId xmlns:p14="http://schemas.microsoft.com/office/powerpoint/2010/main" val="1590562797"/>
+      </p:ext>
+    </p:extLst>
+  </p:cSld>
+  <p:clrMapOvr>
+    <a:masterClrMapping/>
+  </p:clrMapOvr>
+</p:sld>
+</file>
+
+<file path=ppt/slides/slide30.xml><?xml version="1.0" encoding="utf-8"?>
 <p:sld xmlns:a="http://schemas.openxmlformats.org/drawingml/2006/main" xmlns:r="http://schemas.openxmlformats.org/officeDocument/2006/relationships" xmlns:p="http://schemas.openxmlformats.org/presentationml/2006/main">
   <p:cSld>
     <p:spTree>
@@ -32072,7 +30261,7 @@
 </p:sld>
 </file>
 
-<file path=ppt/slides/slide34.xml><?xml version="1.0" encoding="utf-8"?>
+<file path=ppt/slides/slide31.xml><?xml version="1.0" encoding="utf-8"?>
 <p:sld xmlns:a="http://schemas.openxmlformats.org/drawingml/2006/main" xmlns:r="http://schemas.openxmlformats.org/officeDocument/2006/relationships" xmlns:p="http://schemas.openxmlformats.org/presentationml/2006/main">
   <p:cSld>
     <p:spTree>
@@ -34933,7 +33122,7 @@
 </p:sld>
 </file>
 
-<file path=ppt/slides/slide35.xml><?xml version="1.0" encoding="utf-8"?>
+<file path=ppt/slides/slide32.xml><?xml version="1.0" encoding="utf-8"?>
 <p:sld xmlns:a="http://schemas.openxmlformats.org/drawingml/2006/main" xmlns:r="http://schemas.openxmlformats.org/officeDocument/2006/relationships" xmlns:p="http://schemas.openxmlformats.org/presentationml/2006/main">
   <p:cSld>
     <p:spTree>
@@ -37781,7 +35970,7 @@
 </p:sld>
 </file>
 
-<file path=ppt/slides/slide36.xml><?xml version="1.0" encoding="utf-8"?>
+<file path=ppt/slides/slide33.xml><?xml version="1.0" encoding="utf-8"?>
 <p:sld xmlns:a="http://schemas.openxmlformats.org/drawingml/2006/main" xmlns:r="http://schemas.openxmlformats.org/officeDocument/2006/relationships" xmlns:p="http://schemas.openxmlformats.org/presentationml/2006/main">
   <p:cSld>
     <p:spTree>
@@ -40626,7 +38815,7 @@
 </p:sld>
 </file>
 
-<file path=ppt/slides/slide37.xml><?xml version="1.0" encoding="utf-8"?>
+<file path=ppt/slides/slide34.xml><?xml version="1.0" encoding="utf-8"?>
 <p:sld xmlns:a="http://schemas.openxmlformats.org/drawingml/2006/main" xmlns:r="http://schemas.openxmlformats.org/officeDocument/2006/relationships" xmlns:p="http://schemas.openxmlformats.org/presentationml/2006/main">
   <p:cSld>
     <p:spTree>
@@ -43471,7 +41660,7 @@
 </p:sld>
 </file>
 
-<file path=ppt/slides/slide38.xml><?xml version="1.0" encoding="utf-8"?>
+<file path=ppt/slides/slide35.xml><?xml version="1.0" encoding="utf-8"?>
 <p:sld xmlns:a="http://schemas.openxmlformats.org/drawingml/2006/main" xmlns:r="http://schemas.openxmlformats.org/officeDocument/2006/relationships" xmlns:p="http://schemas.openxmlformats.org/presentationml/2006/main">
   <p:cSld>
     <p:spTree>
@@ -46313,7 +44502,7 @@
 </p:sld>
 </file>
 
-<file path=ppt/slides/slide39.xml><?xml version="1.0" encoding="utf-8"?>
+<file path=ppt/slides/slide36.xml><?xml version="1.0" encoding="utf-8"?>
 <p:sld xmlns:a="http://schemas.openxmlformats.org/drawingml/2006/main" xmlns:r="http://schemas.openxmlformats.org/officeDocument/2006/relationships" xmlns:p="http://schemas.openxmlformats.org/presentationml/2006/main">
   <p:cSld>
     <p:spTree>
@@ -46560,406 +44749,6 @@
 </file>
 
 <file path=ppt/slides/slide4.xml><?xml version="1.0" encoding="utf-8"?>
-<p:sld xmlns:a="http://schemas.openxmlformats.org/drawingml/2006/main" xmlns:r="http://schemas.openxmlformats.org/officeDocument/2006/relationships" xmlns:p="http://schemas.openxmlformats.org/presentationml/2006/main">
-  <p:cSld>
-    <p:spTree>
-      <p:nvGrpSpPr>
-        <p:cNvPr id="1" name=""/>
-        <p:cNvGrpSpPr/>
-        <p:nvPr/>
-      </p:nvGrpSpPr>
-      <p:grpSpPr>
-        <a:xfrm>
-          <a:off x="0" y="0"/>
-          <a:ext cx="0" cy="0"/>
-          <a:chOff x="0" y="0"/>
-          <a:chExt cx="0" cy="0"/>
-        </a:xfrm>
-      </p:grpSpPr>
-      <p:sp>
-        <p:nvSpPr>
-          <p:cNvPr id="2" name="Title 1">
-            <a:extLst>
-              <a:ext uri="{FF2B5EF4-FFF2-40B4-BE49-F238E27FC236}">
-                <a16:creationId xmlns:a16="http://schemas.microsoft.com/office/drawing/2014/main" id="{944F50DF-811B-A9CC-41FE-BB616356E3DC}"/>
-              </a:ext>
-            </a:extLst>
-          </p:cNvPr>
-          <p:cNvSpPr>
-            <a:spLocks noGrp="1"/>
-          </p:cNvSpPr>
-          <p:nvPr>
-            <p:ph type="title"/>
-          </p:nvPr>
-        </p:nvSpPr>
-        <p:spPr/>
-        <p:txBody>
-          <a:bodyPr/>
-          <a:lstStyle/>
-          <a:p>
-            <a:r>
-              <a:rPr lang="en-US" dirty="0"/>
-              <a:t>Priority Queue, example</a:t>
-            </a:r>
-          </a:p>
-        </p:txBody>
-      </p:sp>
-      <p:sp>
-        <p:nvSpPr>
-          <p:cNvPr id="3" name="Content Placeholder 2">
-            <a:extLst>
-              <a:ext uri="{FF2B5EF4-FFF2-40B4-BE49-F238E27FC236}">
-                <a16:creationId xmlns:a16="http://schemas.microsoft.com/office/drawing/2014/main" id="{324C0527-8F8A-97C7-EE9B-44727DD0B004}"/>
-              </a:ext>
-            </a:extLst>
-          </p:cNvPr>
-          <p:cNvSpPr>
-            <a:spLocks noGrp="1"/>
-          </p:cNvSpPr>
-          <p:nvPr>
-            <p:ph idx="1"/>
-          </p:nvPr>
-        </p:nvSpPr>
-        <p:spPr>
-          <a:xfrm>
-            <a:off x="838200" y="1574800"/>
-            <a:ext cx="10515600" cy="5161279"/>
-          </a:xfrm>
-        </p:spPr>
-        <p:txBody>
-          <a:bodyPr>
-            <a:normAutofit fontScale="92500" lnSpcReduction="10000"/>
-          </a:bodyPr>
-          <a:lstStyle/>
-          <a:p>
-            <a:pPr marL="0" indent="0">
-              <a:buNone/>
-            </a:pPr>
-            <a:r>
-              <a:rPr lang="en-US" dirty="0" err="1"/>
-              <a:t>PriorityQueue</a:t>
-            </a:r>
-            <a:r>
-              <a:rPr lang="en-US" dirty="0"/>
-              <a:t> PQ = new </a:t>
-            </a:r>
-            <a:r>
-              <a:rPr lang="en-US" dirty="0" err="1"/>
-              <a:t>PriorityQueue</a:t>
-            </a:r>
-            <a:r>
-              <a:rPr lang="en-US" dirty="0"/>
-              <a:t>();</a:t>
-            </a:r>
-          </a:p>
-          <a:p>
-            <a:pPr marL="0" indent="0">
-              <a:buNone/>
-            </a:pPr>
-            <a:r>
-              <a:rPr lang="en-US" dirty="0" err="1"/>
-              <a:t>PQ.insert</a:t>
-            </a:r>
-            <a:r>
-              <a:rPr lang="en-US" dirty="0"/>
-              <a:t>(5,5)</a:t>
-            </a:r>
-          </a:p>
-          <a:p>
-            <a:pPr marL="0" indent="0">
-              <a:buNone/>
-            </a:pPr>
-            <a:r>
-              <a:rPr lang="en-US" dirty="0" err="1"/>
-              <a:t>PQ.insert</a:t>
-            </a:r>
-            <a:r>
-              <a:rPr lang="en-US" dirty="0"/>
-              <a:t>(6,6)</a:t>
-            </a:r>
-          </a:p>
-          <a:p>
-            <a:pPr marL="0" indent="0">
-              <a:buNone/>
-            </a:pPr>
-            <a:r>
-              <a:rPr lang="en-US" dirty="0" err="1"/>
-              <a:t>PQ.insert</a:t>
-            </a:r>
-            <a:r>
-              <a:rPr lang="en-US" dirty="0"/>
-              <a:t>(1,1) // 5, 6, 1</a:t>
-            </a:r>
-          </a:p>
-          <a:p>
-            <a:pPr marL="0" indent="0">
-              <a:buNone/>
-            </a:pPr>
-            <a:r>
-              <a:rPr lang="en-US" dirty="0"/>
-              <a:t>Print(</a:t>
-            </a:r>
-            <a:r>
-              <a:rPr lang="en-US" dirty="0" err="1"/>
-              <a:t>PQ.extract</a:t>
-            </a:r>
-            <a:r>
-              <a:rPr lang="en-US" dirty="0"/>
-              <a:t>()) // 1</a:t>
-            </a:r>
-          </a:p>
-          <a:p>
-            <a:pPr marL="0" indent="0">
-              <a:buNone/>
-            </a:pPr>
-            <a:r>
-              <a:rPr lang="en-US" dirty="0" err="1"/>
-              <a:t>PQ.insert</a:t>
-            </a:r>
-            <a:r>
-              <a:rPr lang="en-US" dirty="0"/>
-              <a:t>(3,3) // 5, 6, 3</a:t>
-            </a:r>
-          </a:p>
-          <a:p>
-            <a:pPr marL="0" indent="0">
-              <a:buNone/>
-            </a:pPr>
-            <a:r>
-              <a:rPr lang="en-US" dirty="0"/>
-              <a:t>Print(</a:t>
-            </a:r>
-            <a:r>
-              <a:rPr lang="en-US" dirty="0" err="1"/>
-              <a:t>PQ.extract</a:t>
-            </a:r>
-            <a:r>
-              <a:rPr lang="en-US" dirty="0"/>
-              <a:t>()) // 3</a:t>
-            </a:r>
-          </a:p>
-          <a:p>
-            <a:pPr marL="0" indent="0">
-              <a:buNone/>
-            </a:pPr>
-            <a:r>
-              <a:rPr lang="en-US" dirty="0"/>
-              <a:t>Print(</a:t>
-            </a:r>
-            <a:r>
-              <a:rPr lang="en-US" dirty="0" err="1"/>
-              <a:t>PQ.extract</a:t>
-            </a:r>
-            <a:r>
-              <a:rPr lang="en-US" dirty="0"/>
-              <a:t>()) // 5</a:t>
-            </a:r>
-          </a:p>
-          <a:p>
-            <a:pPr marL="0" indent="0">
-              <a:buNone/>
-            </a:pPr>
-            <a:r>
-              <a:rPr lang="en-US" dirty="0" err="1"/>
-              <a:t>PQ.insert</a:t>
-            </a:r>
-            <a:r>
-              <a:rPr lang="en-US" dirty="0"/>
-              <a:t>(8,8) // 6, 8</a:t>
-            </a:r>
-          </a:p>
-          <a:p>
-            <a:pPr marL="0" indent="0">
-              <a:buNone/>
-            </a:pPr>
-            <a:r>
-              <a:rPr lang="en-US" dirty="0"/>
-              <a:t>Print(</a:t>
-            </a:r>
-            <a:r>
-              <a:rPr lang="en-US" dirty="0" err="1"/>
-              <a:t>PQ.extract</a:t>
-            </a:r>
-            <a:r>
-              <a:rPr lang="en-US" dirty="0"/>
-              <a:t>()) // 6</a:t>
-            </a:r>
-          </a:p>
-          <a:p>
-            <a:pPr marL="0" indent="0">
-              <a:buNone/>
-            </a:pPr>
-            <a:r>
-              <a:rPr lang="en-US" dirty="0"/>
-              <a:t>Print(</a:t>
-            </a:r>
-            <a:r>
-              <a:rPr lang="en-US" dirty="0" err="1"/>
-              <a:t>PQ.extract</a:t>
-            </a:r>
-            <a:r>
-              <a:rPr lang="en-US" dirty="0"/>
-              <a:t>()) // 8</a:t>
-            </a:r>
-          </a:p>
-          <a:p>
-            <a:pPr marL="0" indent="0">
-              <a:buNone/>
-            </a:pPr>
-            <a:endParaRPr lang="en-US" dirty="0"/>
-          </a:p>
-        </p:txBody>
-      </p:sp>
-    </p:spTree>
-    <p:extLst>
-      <p:ext uri="{BB962C8B-B14F-4D97-AF65-F5344CB8AC3E}">
-        <p14:creationId xmlns:p14="http://schemas.microsoft.com/office/powerpoint/2010/main" val="3610154613"/>
-      </p:ext>
-    </p:extLst>
-  </p:cSld>
-  <p:clrMapOvr>
-    <a:masterClrMapping/>
-  </p:clrMapOvr>
-</p:sld>
-</file>
-
-<file path=ppt/slides/slide5.xml><?xml version="1.0" encoding="utf-8"?>
-<p:sld xmlns:a="http://schemas.openxmlformats.org/drawingml/2006/main" xmlns:r="http://schemas.openxmlformats.org/officeDocument/2006/relationships" xmlns:p="http://schemas.openxmlformats.org/presentationml/2006/main">
-  <p:cSld>
-    <p:spTree>
-      <p:nvGrpSpPr>
-        <p:cNvPr id="1" name=""/>
-        <p:cNvGrpSpPr/>
-        <p:nvPr/>
-      </p:nvGrpSpPr>
-      <p:grpSpPr>
-        <a:xfrm>
-          <a:off x="0" y="0"/>
-          <a:ext cx="0" cy="0"/>
-          <a:chOff x="0" y="0"/>
-          <a:chExt cx="0" cy="0"/>
-        </a:xfrm>
-      </p:grpSpPr>
-      <p:sp>
-        <p:nvSpPr>
-          <p:cNvPr id="2" name="Title 1">
-            <a:extLst>
-              <a:ext uri="{FF2B5EF4-FFF2-40B4-BE49-F238E27FC236}">
-                <a16:creationId xmlns:a16="http://schemas.microsoft.com/office/drawing/2014/main" id="{92CACA63-A283-2B9A-141D-40EDAC372513}"/>
-              </a:ext>
-            </a:extLst>
-          </p:cNvPr>
-          <p:cNvSpPr>
-            <a:spLocks noGrp="1"/>
-          </p:cNvSpPr>
-          <p:nvPr>
-            <p:ph type="title"/>
-          </p:nvPr>
-        </p:nvSpPr>
-        <p:spPr/>
-        <p:txBody>
-          <a:bodyPr/>
-          <a:lstStyle/>
-          <a:p>
-            <a:r>
-              <a:rPr lang="en-US" dirty="0"/>
-              <a:t>Applications?</a:t>
-            </a:r>
-          </a:p>
-        </p:txBody>
-      </p:sp>
-      <p:sp>
-        <p:nvSpPr>
-          <p:cNvPr id="3" name="Content Placeholder 2">
-            <a:extLst>
-              <a:ext uri="{FF2B5EF4-FFF2-40B4-BE49-F238E27FC236}">
-                <a16:creationId xmlns:a16="http://schemas.microsoft.com/office/drawing/2014/main" id="{AF75ED34-AF75-C4E8-5894-C0401FAABBE9}"/>
-              </a:ext>
-            </a:extLst>
-          </p:cNvPr>
-          <p:cNvSpPr>
-            <a:spLocks noGrp="1"/>
-          </p:cNvSpPr>
-          <p:nvPr>
-            <p:ph idx="1"/>
-          </p:nvPr>
-        </p:nvSpPr>
-        <p:spPr/>
-        <p:txBody>
-          <a:bodyPr>
-            <a:normAutofit lnSpcReduction="10000"/>
-          </a:bodyPr>
-          <a:lstStyle/>
-          <a:p>
-            <a:r>
-              <a:rPr lang="en-US" dirty="0"/>
-              <a:t>ER</a:t>
-            </a:r>
-          </a:p>
-          <a:p>
-            <a:r>
-              <a:rPr lang="en-US" dirty="0"/>
-              <a:t>Sorting</a:t>
-            </a:r>
-          </a:p>
-          <a:p>
-            <a:r>
-              <a:rPr lang="en-US" dirty="0"/>
-              <a:t>Corrupt restaurant</a:t>
-            </a:r>
-          </a:p>
-          <a:p>
-            <a:r>
-              <a:rPr lang="en-US" dirty="0"/>
-              <a:t>Restaurants with reservations</a:t>
-            </a:r>
-          </a:p>
-          <a:p>
-            <a:r>
-              <a:rPr lang="en-US" dirty="0"/>
-              <a:t>Presales – priority registration</a:t>
-            </a:r>
-          </a:p>
-          <a:p>
-            <a:r>
-              <a:rPr lang="en-US" dirty="0"/>
-              <a:t>Operating systems – managing tasks</a:t>
-            </a:r>
-          </a:p>
-          <a:p>
-            <a:r>
-              <a:rPr lang="en-US" dirty="0"/>
-              <a:t>Airline boarding</a:t>
-            </a:r>
-          </a:p>
-          <a:p>
-            <a:r>
-              <a:rPr lang="en-US" dirty="0"/>
-              <a:t>Distributing tasks</a:t>
-            </a:r>
-          </a:p>
-          <a:p>
-            <a:r>
-              <a:rPr lang="en-US" dirty="0"/>
-              <a:t>Huffman</a:t>
-            </a:r>
-          </a:p>
-        </p:txBody>
-      </p:sp>
-    </p:spTree>
-    <p:extLst>
-      <p:ext uri="{BB962C8B-B14F-4D97-AF65-F5344CB8AC3E}">
-        <p14:creationId xmlns:p14="http://schemas.microsoft.com/office/powerpoint/2010/main" val="1590562797"/>
-      </p:ext>
-    </p:extLst>
-  </p:cSld>
-  <p:clrMapOvr>
-    <a:masterClrMapping/>
-  </p:clrMapOvr>
-</p:sld>
-</file>
-
-<file path=ppt/slides/slide6.xml><?xml version="1.0" encoding="utf-8"?>
 <p:sld xmlns:a="http://schemas.openxmlformats.org/drawingml/2006/main" xmlns:r="http://schemas.openxmlformats.org/officeDocument/2006/relationships" xmlns:p="http://schemas.openxmlformats.org/presentationml/2006/main">
   <p:cSld>
     <p:spTree>
@@ -47373,7 +45162,7 @@
 </p:sld>
 </file>
 
-<file path=ppt/slides/slide7.xml><?xml version="1.0" encoding="utf-8"?>
+<file path=ppt/slides/slide5.xml><?xml version="1.0" encoding="utf-8"?>
 <p:sld xmlns:a="http://schemas.openxmlformats.org/drawingml/2006/main" xmlns:r="http://schemas.openxmlformats.org/officeDocument/2006/relationships" xmlns:p="http://schemas.openxmlformats.org/presentationml/2006/main">
   <p:cSld>
     <p:spTree>
@@ -48513,7 +46302,7 @@
 </p:sld>
 </file>
 
-<file path=ppt/slides/slide8.xml><?xml version="1.0" encoding="utf-8"?>
+<file path=ppt/slides/slide6.xml><?xml version="1.0" encoding="utf-8"?>
 <p:sld xmlns:a="http://schemas.openxmlformats.org/drawingml/2006/main" xmlns:r="http://schemas.openxmlformats.org/officeDocument/2006/relationships" xmlns:p="http://schemas.openxmlformats.org/presentationml/2006/main">
   <p:cSld>
     <p:spTree>
@@ -49891,7 +47680,7 @@
 </p:sld>
 </file>
 
-<file path=ppt/slides/slide9.xml><?xml version="1.0" encoding="utf-8"?>
+<file path=ppt/slides/slide7.xml><?xml version="1.0" encoding="utf-8"?>
 <p:sld xmlns:a="http://schemas.openxmlformats.org/drawingml/2006/main" xmlns:r="http://schemas.openxmlformats.org/officeDocument/2006/relationships" xmlns:p="http://schemas.openxmlformats.org/presentationml/2006/main">
   <p:cSld>
     <p:spTree>
@@ -50983,6 +48772,1797 @@
     <p:extLst>
       <p:ext uri="{BB962C8B-B14F-4D97-AF65-F5344CB8AC3E}">
         <p14:creationId xmlns:p14="http://schemas.microsoft.com/office/powerpoint/2010/main" val="3676353571"/>
+      </p:ext>
+    </p:extLst>
+  </p:cSld>
+  <p:clrMapOvr>
+    <a:masterClrMapping/>
+  </p:clrMapOvr>
+</p:sld>
+</file>
+
+<file path=ppt/slides/slide8.xml><?xml version="1.0" encoding="utf-8"?>
+<p:sld xmlns:a="http://schemas.openxmlformats.org/drawingml/2006/main" xmlns:r="http://schemas.openxmlformats.org/officeDocument/2006/relationships" xmlns:p="http://schemas.openxmlformats.org/presentationml/2006/main">
+  <p:cSld>
+    <p:spTree>
+      <p:nvGrpSpPr>
+        <p:cNvPr id="1" name=""/>
+        <p:cNvGrpSpPr/>
+        <p:nvPr/>
+      </p:nvGrpSpPr>
+      <p:grpSpPr>
+        <a:xfrm>
+          <a:off x="0" y="0"/>
+          <a:ext cx="0" cy="0"/>
+          <a:chOff x="0" y="0"/>
+          <a:chExt cx="0" cy="0"/>
+        </a:xfrm>
+      </p:grpSpPr>
+      <p:sp>
+        <p:nvSpPr>
+          <p:cNvPr id="2" name="Title 1">
+            <a:extLst>
+              <a:ext uri="{FF2B5EF4-FFF2-40B4-BE49-F238E27FC236}">
+                <a16:creationId xmlns:a16="http://schemas.microsoft.com/office/drawing/2014/main" id="{A6BFA069-E0AF-EBEE-3120-4318DF25C837}"/>
+              </a:ext>
+            </a:extLst>
+          </p:cNvPr>
+          <p:cNvSpPr>
+            <a:spLocks noGrp="1"/>
+          </p:cNvSpPr>
+          <p:nvPr>
+            <p:ph type="title"/>
+          </p:nvPr>
+        </p:nvSpPr>
+        <p:spPr/>
+        <p:txBody>
+          <a:bodyPr/>
+          <a:lstStyle/>
+          <a:p>
+            <a:r>
+              <a:rPr lang="en-US" dirty="0"/>
+              <a:t>Priority Queue Data Structure – Heap Idea</a:t>
+            </a:r>
+          </a:p>
+        </p:txBody>
+      </p:sp>
+      <mc:AlternateContent xmlns:mc="http://schemas.openxmlformats.org/markup-compatibility/2006">
+        <mc:Choice xmlns:a14="http://schemas.microsoft.com/office/drawing/2010/main" Requires="a14">
+          <p:sp>
+            <p:nvSpPr>
+              <p:cNvPr id="3" name="Content Placeholder 2">
+                <a:extLst>
+                  <a:ext uri="{FF2B5EF4-FFF2-40B4-BE49-F238E27FC236}">
+                    <a16:creationId xmlns:a16="http://schemas.microsoft.com/office/drawing/2014/main" id="{99CD4E4A-D376-CCD8-BF06-19D9E2D50515}"/>
+                  </a:ext>
+                </a:extLst>
+              </p:cNvPr>
+              <p:cNvSpPr>
+                <a:spLocks noGrp="1"/>
+              </p:cNvSpPr>
+              <p:nvPr>
+                <p:ph idx="1"/>
+              </p:nvPr>
+            </p:nvSpPr>
+            <p:spPr/>
+            <p:txBody>
+              <a:bodyPr/>
+              <a:lstStyle/>
+              <a:p>
+                <a:r>
+                  <a:rPr lang="en-US" dirty="0"/>
+                  <a:t>Idea: Maintain a limited amount of order</a:t>
+                </a:r>
+              </a:p>
+              <a:p>
+                <a14:m>
+                  <m:oMath xmlns:m="http://schemas.openxmlformats.org/officeDocument/2006/math">
+                    <m:r>
+                      <m:rPr>
+                        <m:sty m:val="p"/>
+                      </m:rPr>
+                      <a:rPr lang="en-US" b="0" i="0" smtClean="0">
+                        <a:latin typeface="Cambria Math" panose="02040503050406030204" pitchFamily="18" charset="0"/>
+                      </a:rPr>
+                      <m:t>Θ</m:t>
+                    </m:r>
+                    <m:r>
+                      <a:rPr lang="en-US" b="0" i="1" smtClean="0">
+                        <a:latin typeface="Cambria Math" panose="02040503050406030204" pitchFamily="18" charset="0"/>
+                      </a:rPr>
+                      <m:t>(</m:t>
+                    </m:r>
+                    <m:func>
+                      <m:funcPr>
+                        <m:ctrlPr>
+                          <a:rPr lang="en-US" b="0" i="1" smtClean="0">
+                            <a:latin typeface="Cambria Math" panose="02040503050406030204" pitchFamily="18" charset="0"/>
+                          </a:rPr>
+                        </m:ctrlPr>
+                      </m:funcPr>
+                      <m:fName>
+                        <m:r>
+                          <m:rPr>
+                            <m:sty m:val="p"/>
+                          </m:rPr>
+                          <a:rPr lang="en-US" b="0" i="0" smtClean="0">
+                            <a:latin typeface="Cambria Math" panose="02040503050406030204" pitchFamily="18" charset="0"/>
+                          </a:rPr>
+                          <m:t>log</m:t>
+                        </m:r>
+                      </m:fName>
+                      <m:e>
+                        <m:r>
+                          <a:rPr lang="en-US" b="0" i="1" smtClean="0">
+                            <a:latin typeface="Cambria Math" panose="02040503050406030204" pitchFamily="18" charset="0"/>
+                          </a:rPr>
+                          <m:t>𝑛</m:t>
+                        </m:r>
+                      </m:e>
+                    </m:func>
+                    <m:r>
+                      <a:rPr lang="en-US" b="0" i="1" smtClean="0">
+                        <a:latin typeface="Cambria Math" panose="02040503050406030204" pitchFamily="18" charset="0"/>
+                      </a:rPr>
+                      <m:t>)</m:t>
+                    </m:r>
+                  </m:oMath>
+                </a14:m>
+                <a:r>
+                  <a:rPr lang="en-US" dirty="0"/>
+                  <a:t> worst case for extract and insert</a:t>
+                </a:r>
+              </a:p>
+              <a:p>
+                <a:endParaRPr lang="en-US" dirty="0"/>
+              </a:p>
+            </p:txBody>
+          </p:sp>
+        </mc:Choice>
+        <mc:Fallback>
+          <p:sp>
+            <p:nvSpPr>
+              <p:cNvPr id="3" name="Content Placeholder 2">
+                <a:extLst>
+                  <a:ext uri="{FF2B5EF4-FFF2-40B4-BE49-F238E27FC236}">
+                    <a16:creationId xmlns:a16="http://schemas.microsoft.com/office/drawing/2014/main" id="{99CD4E4A-D376-CCD8-BF06-19D9E2D50515}"/>
+                  </a:ext>
+                </a:extLst>
+              </p:cNvPr>
+              <p:cNvSpPr>
+                <a:spLocks noGrp="1" noRot="1" noChangeAspect="1" noMove="1" noResize="1" noEditPoints="1" noAdjustHandles="1" noChangeArrowheads="1" noChangeShapeType="1" noTextEdit="1"/>
+              </p:cNvSpPr>
+              <p:nvPr>
+                <p:ph idx="1"/>
+              </p:nvPr>
+            </p:nvSpPr>
+            <p:spPr>
+              <a:blipFill>
+                <a:blip r:embed="rId2"/>
+                <a:stretch>
+                  <a:fillRect l="-1043" t="-2241"/>
+                </a:stretch>
+              </a:blipFill>
+            </p:spPr>
+            <p:txBody>
+              <a:bodyPr/>
+              <a:lstStyle/>
+              <a:p>
+                <a:r>
+                  <a:rPr lang="en-US">
+                    <a:noFill/>
+                  </a:rPr>
+                  <a:t> </a:t>
+                </a:r>
+              </a:p>
+            </p:txBody>
+          </p:sp>
+        </mc:Fallback>
+      </mc:AlternateContent>
+      <p:grpSp>
+        <p:nvGrpSpPr>
+          <p:cNvPr id="30" name="Group 29">
+            <a:extLst>
+              <a:ext uri="{FF2B5EF4-FFF2-40B4-BE49-F238E27FC236}">
+                <a16:creationId xmlns:a16="http://schemas.microsoft.com/office/drawing/2014/main" id="{860A17D2-D1DC-EB90-0F1F-B576ACAA6D5B}"/>
+              </a:ext>
+            </a:extLst>
+          </p:cNvPr>
+          <p:cNvGrpSpPr/>
+          <p:nvPr/>
+        </p:nvGrpSpPr>
+        <p:grpSpPr>
+          <a:xfrm>
+            <a:off x="5161281" y="2808212"/>
+            <a:ext cx="6934200" cy="3368751"/>
+            <a:chOff x="2590801" y="2672070"/>
+            <a:chExt cx="6934200" cy="3368751"/>
+          </a:xfrm>
+        </p:grpSpPr>
+        <p:sp>
+          <p:nvSpPr>
+            <p:cNvPr id="4" name="Oval 3">
+              <a:extLst>
+                <a:ext uri="{FF2B5EF4-FFF2-40B4-BE49-F238E27FC236}">
+                  <a16:creationId xmlns:a16="http://schemas.microsoft.com/office/drawing/2014/main" id="{C0E16EF1-E0DE-F370-E581-946E72846104}"/>
+                </a:ext>
+              </a:extLst>
+            </p:cNvPr>
+            <p:cNvSpPr/>
+            <p:nvPr/>
+          </p:nvSpPr>
+          <p:spPr>
+            <a:xfrm>
+              <a:off x="5996855" y="2672070"/>
+              <a:ext cx="688077" cy="688077"/>
+            </a:xfrm>
+            <a:prstGeom prst="ellipse">
+              <a:avLst/>
+            </a:prstGeom>
+            <a:solidFill>
+              <a:schemeClr val="bg1"/>
+            </a:solidFill>
+            <a:ln>
+              <a:solidFill>
+                <a:schemeClr val="tx1"/>
+              </a:solidFill>
+            </a:ln>
+          </p:spPr>
+          <p:style>
+            <a:lnRef idx="2">
+              <a:schemeClr val="accent1">
+                <a:shade val="50000"/>
+              </a:schemeClr>
+            </a:lnRef>
+            <a:fillRef idx="1">
+              <a:schemeClr val="accent1"/>
+            </a:fillRef>
+            <a:effectRef idx="0">
+              <a:schemeClr val="accent1"/>
+            </a:effectRef>
+            <a:fontRef idx="minor">
+              <a:schemeClr val="lt1"/>
+            </a:fontRef>
+          </p:style>
+          <p:txBody>
+            <a:bodyPr rtlCol="0" anchor="ctr"/>
+            <a:lstStyle/>
+            <a:p>
+              <a:pPr algn="ctr"/>
+              <a:r>
+                <a:rPr lang="en-US" dirty="0">
+                  <a:solidFill>
+                    <a:schemeClr val="tx1"/>
+                  </a:solidFill>
+                </a:rPr>
+                <a:t>1</a:t>
+              </a:r>
+            </a:p>
+          </p:txBody>
+        </p:sp>
+        <p:sp>
+          <p:nvSpPr>
+            <p:cNvPr id="5" name="Oval 4">
+              <a:extLst>
+                <a:ext uri="{FF2B5EF4-FFF2-40B4-BE49-F238E27FC236}">
+                  <a16:creationId xmlns:a16="http://schemas.microsoft.com/office/drawing/2014/main" id="{245C3EBE-556C-5377-E6B8-DD961CEA7DFD}"/>
+                </a:ext>
+              </a:extLst>
+            </p:cNvPr>
+            <p:cNvSpPr/>
+            <p:nvPr/>
+          </p:nvSpPr>
+          <p:spPr>
+            <a:xfrm>
+              <a:off x="4191001" y="3682289"/>
+              <a:ext cx="688077" cy="688077"/>
+            </a:xfrm>
+            <a:prstGeom prst="ellipse">
+              <a:avLst/>
+            </a:prstGeom>
+            <a:noFill/>
+            <a:ln>
+              <a:solidFill>
+                <a:schemeClr val="tx1"/>
+              </a:solidFill>
+            </a:ln>
+          </p:spPr>
+          <p:style>
+            <a:lnRef idx="2">
+              <a:schemeClr val="accent1">
+                <a:shade val="50000"/>
+              </a:schemeClr>
+            </a:lnRef>
+            <a:fillRef idx="1">
+              <a:schemeClr val="accent1"/>
+            </a:fillRef>
+            <a:effectRef idx="0">
+              <a:schemeClr val="accent1"/>
+            </a:effectRef>
+            <a:fontRef idx="minor">
+              <a:schemeClr val="lt1"/>
+            </a:fontRef>
+          </p:style>
+          <p:txBody>
+            <a:bodyPr rtlCol="0" anchor="ctr"/>
+            <a:lstStyle/>
+            <a:p>
+              <a:pPr algn="ctr"/>
+              <a:r>
+                <a:rPr lang="en-US" dirty="0">
+                  <a:solidFill>
+                    <a:schemeClr val="tx1"/>
+                  </a:solidFill>
+                </a:rPr>
+                <a:t>3</a:t>
+              </a:r>
+            </a:p>
+          </p:txBody>
+        </p:sp>
+        <p:sp>
+          <p:nvSpPr>
+            <p:cNvPr id="6" name="Oval 5">
+              <a:extLst>
+                <a:ext uri="{FF2B5EF4-FFF2-40B4-BE49-F238E27FC236}">
+                  <a16:creationId xmlns:a16="http://schemas.microsoft.com/office/drawing/2014/main" id="{60B45233-474B-D142-219F-3E2B3AC692B9}"/>
+                </a:ext>
+              </a:extLst>
+            </p:cNvPr>
+            <p:cNvSpPr/>
+            <p:nvPr/>
+          </p:nvSpPr>
+          <p:spPr>
+            <a:xfrm>
+              <a:off x="7858499" y="3653913"/>
+              <a:ext cx="688077" cy="688077"/>
+            </a:xfrm>
+            <a:prstGeom prst="ellipse">
+              <a:avLst/>
+            </a:prstGeom>
+            <a:solidFill>
+              <a:schemeClr val="bg1"/>
+            </a:solidFill>
+            <a:ln>
+              <a:solidFill>
+                <a:schemeClr val="tx1"/>
+              </a:solidFill>
+            </a:ln>
+          </p:spPr>
+          <p:style>
+            <a:lnRef idx="2">
+              <a:schemeClr val="accent1">
+                <a:shade val="50000"/>
+              </a:schemeClr>
+            </a:lnRef>
+            <a:fillRef idx="1">
+              <a:schemeClr val="accent1"/>
+            </a:fillRef>
+            <a:effectRef idx="0">
+              <a:schemeClr val="accent1"/>
+            </a:effectRef>
+            <a:fontRef idx="minor">
+              <a:schemeClr val="lt1"/>
+            </a:fontRef>
+          </p:style>
+          <p:txBody>
+            <a:bodyPr rtlCol="0" anchor="ctr"/>
+            <a:lstStyle/>
+            <a:p>
+              <a:pPr algn="ctr"/>
+              <a:r>
+                <a:rPr lang="en-US" dirty="0">
+                  <a:solidFill>
+                    <a:schemeClr val="tx1"/>
+                  </a:solidFill>
+                </a:rPr>
+                <a:t>2</a:t>
+              </a:r>
+            </a:p>
+          </p:txBody>
+        </p:sp>
+        <p:sp>
+          <p:nvSpPr>
+            <p:cNvPr id="7" name="Oval 6">
+              <a:extLst>
+                <a:ext uri="{FF2B5EF4-FFF2-40B4-BE49-F238E27FC236}">
+                  <a16:creationId xmlns:a16="http://schemas.microsoft.com/office/drawing/2014/main" id="{AE202AD5-FD55-ED1F-2E5A-AA6DE5FB534F}"/>
+                </a:ext>
+              </a:extLst>
+            </p:cNvPr>
+            <p:cNvSpPr/>
+            <p:nvPr/>
+          </p:nvSpPr>
+          <p:spPr>
+            <a:xfrm>
+              <a:off x="3200401" y="4383504"/>
+              <a:ext cx="688077" cy="688077"/>
+            </a:xfrm>
+            <a:prstGeom prst="ellipse">
+              <a:avLst/>
+            </a:prstGeom>
+            <a:solidFill>
+              <a:schemeClr val="bg1"/>
+            </a:solidFill>
+            <a:ln>
+              <a:solidFill>
+                <a:schemeClr val="tx1"/>
+              </a:solidFill>
+            </a:ln>
+          </p:spPr>
+          <p:style>
+            <a:lnRef idx="2">
+              <a:schemeClr val="accent1">
+                <a:shade val="50000"/>
+              </a:schemeClr>
+            </a:lnRef>
+            <a:fillRef idx="1">
+              <a:schemeClr val="accent1"/>
+            </a:fillRef>
+            <a:effectRef idx="0">
+              <a:schemeClr val="accent1"/>
+            </a:effectRef>
+            <a:fontRef idx="minor">
+              <a:schemeClr val="lt1"/>
+            </a:fontRef>
+          </p:style>
+          <p:txBody>
+            <a:bodyPr rtlCol="0" anchor="ctr"/>
+            <a:lstStyle/>
+            <a:p>
+              <a:pPr algn="ctr"/>
+              <a:r>
+                <a:rPr lang="en-US" dirty="0">
+                  <a:solidFill>
+                    <a:schemeClr val="tx1"/>
+                  </a:solidFill>
+                </a:rPr>
+                <a:t>4</a:t>
+              </a:r>
+            </a:p>
+          </p:txBody>
+        </p:sp>
+        <p:sp>
+          <p:nvSpPr>
+            <p:cNvPr id="8" name="Oval 7">
+              <a:extLst>
+                <a:ext uri="{FF2B5EF4-FFF2-40B4-BE49-F238E27FC236}">
+                  <a16:creationId xmlns:a16="http://schemas.microsoft.com/office/drawing/2014/main" id="{B55CF38E-7DC0-6240-8663-B411669B6536}"/>
+                </a:ext>
+              </a:extLst>
+            </p:cNvPr>
+            <p:cNvSpPr/>
+            <p:nvPr/>
+          </p:nvSpPr>
+          <p:spPr>
+            <a:xfrm>
+              <a:off x="5211206" y="4425368"/>
+              <a:ext cx="688077" cy="688077"/>
+            </a:xfrm>
+            <a:prstGeom prst="ellipse">
+              <a:avLst/>
+            </a:prstGeom>
+            <a:solidFill>
+              <a:schemeClr val="bg1"/>
+            </a:solidFill>
+            <a:ln>
+              <a:solidFill>
+                <a:schemeClr val="tx1"/>
+              </a:solidFill>
+            </a:ln>
+          </p:spPr>
+          <p:style>
+            <a:lnRef idx="2">
+              <a:schemeClr val="accent1">
+                <a:shade val="50000"/>
+              </a:schemeClr>
+            </a:lnRef>
+            <a:fillRef idx="1">
+              <a:schemeClr val="accent1"/>
+            </a:fillRef>
+            <a:effectRef idx="0">
+              <a:schemeClr val="accent1"/>
+            </a:effectRef>
+            <a:fontRef idx="minor">
+              <a:schemeClr val="lt1"/>
+            </a:fontRef>
+          </p:style>
+          <p:txBody>
+            <a:bodyPr rtlCol="0" anchor="ctr"/>
+            <a:lstStyle/>
+            <a:p>
+              <a:pPr algn="ctr"/>
+              <a:r>
+                <a:rPr lang="en-US" dirty="0">
+                  <a:solidFill>
+                    <a:schemeClr val="tx1"/>
+                  </a:solidFill>
+                </a:rPr>
+                <a:t>7</a:t>
+              </a:r>
+            </a:p>
+          </p:txBody>
+        </p:sp>
+        <p:sp>
+          <p:nvSpPr>
+            <p:cNvPr id="9" name="Oval 8">
+              <a:extLst>
+                <a:ext uri="{FF2B5EF4-FFF2-40B4-BE49-F238E27FC236}">
+                  <a16:creationId xmlns:a16="http://schemas.microsoft.com/office/drawing/2014/main" id="{7F4CC478-74A8-998F-9A93-3856DF9C77CF}"/>
+                </a:ext>
+              </a:extLst>
+            </p:cNvPr>
+            <p:cNvSpPr/>
+            <p:nvPr/>
+          </p:nvSpPr>
+          <p:spPr>
+            <a:xfrm>
+              <a:off x="6934201" y="4341990"/>
+              <a:ext cx="688077" cy="688077"/>
+            </a:xfrm>
+            <a:prstGeom prst="ellipse">
+              <a:avLst/>
+            </a:prstGeom>
+            <a:solidFill>
+              <a:schemeClr val="bg1"/>
+            </a:solidFill>
+            <a:ln>
+              <a:solidFill>
+                <a:schemeClr val="tx1"/>
+              </a:solidFill>
+            </a:ln>
+          </p:spPr>
+          <p:style>
+            <a:lnRef idx="2">
+              <a:schemeClr val="accent1">
+                <a:shade val="50000"/>
+              </a:schemeClr>
+            </a:lnRef>
+            <a:fillRef idx="1">
+              <a:schemeClr val="accent1"/>
+            </a:fillRef>
+            <a:effectRef idx="0">
+              <a:schemeClr val="accent1"/>
+            </a:effectRef>
+            <a:fontRef idx="minor">
+              <a:schemeClr val="lt1"/>
+            </a:fontRef>
+          </p:style>
+          <p:txBody>
+            <a:bodyPr rtlCol="0" anchor="ctr"/>
+            <a:lstStyle/>
+            <a:p>
+              <a:pPr algn="ctr"/>
+              <a:r>
+                <a:rPr lang="en-US" dirty="0">
+                  <a:solidFill>
+                    <a:schemeClr val="tx1"/>
+                  </a:solidFill>
+                </a:rPr>
+                <a:t>5</a:t>
+              </a:r>
+            </a:p>
+          </p:txBody>
+        </p:sp>
+        <p:sp>
+          <p:nvSpPr>
+            <p:cNvPr id="10" name="Oval 9">
+              <a:extLst>
+                <a:ext uri="{FF2B5EF4-FFF2-40B4-BE49-F238E27FC236}">
+                  <a16:creationId xmlns:a16="http://schemas.microsoft.com/office/drawing/2014/main" id="{E0E3CC96-BBE6-289E-ED25-7D583BF06E09}"/>
+                </a:ext>
+              </a:extLst>
+            </p:cNvPr>
+            <p:cNvSpPr/>
+            <p:nvPr/>
+          </p:nvSpPr>
+          <p:spPr>
+            <a:xfrm>
+              <a:off x="8836924" y="4341990"/>
+              <a:ext cx="688077" cy="688077"/>
+            </a:xfrm>
+            <a:prstGeom prst="ellipse">
+              <a:avLst/>
+            </a:prstGeom>
+            <a:solidFill>
+              <a:schemeClr val="bg1"/>
+            </a:solidFill>
+            <a:ln>
+              <a:solidFill>
+                <a:schemeClr val="tx1"/>
+              </a:solidFill>
+            </a:ln>
+          </p:spPr>
+          <p:style>
+            <a:lnRef idx="2">
+              <a:schemeClr val="accent1">
+                <a:shade val="50000"/>
+              </a:schemeClr>
+            </a:lnRef>
+            <a:fillRef idx="1">
+              <a:schemeClr val="accent1"/>
+            </a:fillRef>
+            <a:effectRef idx="0">
+              <a:schemeClr val="accent1"/>
+            </a:effectRef>
+            <a:fontRef idx="minor">
+              <a:schemeClr val="lt1"/>
+            </a:fontRef>
+          </p:style>
+          <p:txBody>
+            <a:bodyPr rtlCol="0" anchor="ctr"/>
+            <a:lstStyle/>
+            <a:p>
+              <a:pPr algn="ctr"/>
+              <a:r>
+                <a:rPr lang="en-US" dirty="0">
+                  <a:solidFill>
+                    <a:schemeClr val="tx1"/>
+                  </a:solidFill>
+                </a:rPr>
+                <a:t>6</a:t>
+              </a:r>
+            </a:p>
+          </p:txBody>
+        </p:sp>
+        <p:sp>
+          <p:nvSpPr>
+            <p:cNvPr id="11" name="Oval 10">
+              <a:extLst>
+                <a:ext uri="{FF2B5EF4-FFF2-40B4-BE49-F238E27FC236}">
+                  <a16:creationId xmlns:a16="http://schemas.microsoft.com/office/drawing/2014/main" id="{1E4DD672-6BA5-032B-AF77-D37A27D159F3}"/>
+                </a:ext>
+              </a:extLst>
+            </p:cNvPr>
+            <p:cNvSpPr/>
+            <p:nvPr/>
+          </p:nvSpPr>
+          <p:spPr>
+            <a:xfrm>
+              <a:off x="2590801" y="5352744"/>
+              <a:ext cx="688077" cy="688077"/>
+            </a:xfrm>
+            <a:prstGeom prst="ellipse">
+              <a:avLst/>
+            </a:prstGeom>
+            <a:solidFill>
+              <a:schemeClr val="bg1"/>
+            </a:solidFill>
+            <a:ln>
+              <a:solidFill>
+                <a:schemeClr val="tx1"/>
+              </a:solidFill>
+            </a:ln>
+          </p:spPr>
+          <p:style>
+            <a:lnRef idx="2">
+              <a:schemeClr val="accent1">
+                <a:shade val="50000"/>
+              </a:schemeClr>
+            </a:lnRef>
+            <a:fillRef idx="1">
+              <a:schemeClr val="accent1"/>
+            </a:fillRef>
+            <a:effectRef idx="0">
+              <a:schemeClr val="accent1"/>
+            </a:effectRef>
+            <a:fontRef idx="minor">
+              <a:schemeClr val="lt1"/>
+            </a:fontRef>
+          </p:style>
+          <p:txBody>
+            <a:bodyPr rtlCol="0" anchor="ctr"/>
+            <a:lstStyle/>
+            <a:p>
+              <a:pPr algn="ctr"/>
+              <a:r>
+                <a:rPr lang="en-US" dirty="0">
+                  <a:solidFill>
+                    <a:schemeClr val="tx1"/>
+                  </a:solidFill>
+                </a:rPr>
+                <a:t>5</a:t>
+              </a:r>
+            </a:p>
+          </p:txBody>
+        </p:sp>
+        <p:sp>
+          <p:nvSpPr>
+            <p:cNvPr id="12" name="Oval 11">
+              <a:extLst>
+                <a:ext uri="{FF2B5EF4-FFF2-40B4-BE49-F238E27FC236}">
+                  <a16:creationId xmlns:a16="http://schemas.microsoft.com/office/drawing/2014/main" id="{201B6D2E-E2AA-4C8C-1EAD-8C12D7FF3633}"/>
+                </a:ext>
+              </a:extLst>
+            </p:cNvPr>
+            <p:cNvSpPr/>
+            <p:nvPr/>
+          </p:nvSpPr>
+          <p:spPr>
+            <a:xfrm>
+              <a:off x="3733801" y="5352744"/>
+              <a:ext cx="688077" cy="688077"/>
+            </a:xfrm>
+            <a:prstGeom prst="ellipse">
+              <a:avLst/>
+            </a:prstGeom>
+            <a:solidFill>
+              <a:schemeClr val="bg1"/>
+            </a:solidFill>
+            <a:ln>
+              <a:solidFill>
+                <a:schemeClr val="tx1"/>
+              </a:solidFill>
+            </a:ln>
+          </p:spPr>
+          <p:style>
+            <a:lnRef idx="2">
+              <a:schemeClr val="accent1">
+                <a:shade val="50000"/>
+              </a:schemeClr>
+            </a:lnRef>
+            <a:fillRef idx="1">
+              <a:schemeClr val="accent1"/>
+            </a:fillRef>
+            <a:effectRef idx="0">
+              <a:schemeClr val="accent1"/>
+            </a:effectRef>
+            <a:fontRef idx="minor">
+              <a:schemeClr val="lt1"/>
+            </a:fontRef>
+          </p:style>
+          <p:txBody>
+            <a:bodyPr rtlCol="0" anchor="ctr"/>
+            <a:lstStyle/>
+            <a:p>
+              <a:pPr algn="ctr"/>
+              <a:r>
+                <a:rPr lang="en-US" dirty="0">
+                  <a:solidFill>
+                    <a:schemeClr val="tx1"/>
+                  </a:solidFill>
+                </a:rPr>
+                <a:t>9</a:t>
+              </a:r>
+            </a:p>
+          </p:txBody>
+        </p:sp>
+        <p:cxnSp>
+          <p:nvCxnSpPr>
+            <p:cNvPr id="13" name="Straight Connector 12">
+              <a:extLst>
+                <a:ext uri="{FF2B5EF4-FFF2-40B4-BE49-F238E27FC236}">
+                  <a16:creationId xmlns:a16="http://schemas.microsoft.com/office/drawing/2014/main" id="{3248F384-51C8-527F-7FB4-5BBB372B6677}"/>
+                </a:ext>
+              </a:extLst>
+            </p:cNvPr>
+            <p:cNvCxnSpPr>
+              <a:cxnSpLocks/>
+              <a:stCxn id="4" idx="3"/>
+              <a:endCxn id="5" idx="7"/>
+            </p:cNvCxnSpPr>
+            <p:nvPr/>
+          </p:nvCxnSpPr>
+          <p:spPr>
+            <a:xfrm flipH="1">
+              <a:off x="4778311" y="3259380"/>
+              <a:ext cx="1319311" cy="523676"/>
+            </a:xfrm>
+            <a:prstGeom prst="line">
+              <a:avLst/>
+            </a:prstGeom>
+            <a:ln>
+              <a:solidFill>
+                <a:schemeClr val="tx1"/>
+              </a:solidFill>
+            </a:ln>
+          </p:spPr>
+          <p:style>
+            <a:lnRef idx="1">
+              <a:schemeClr val="accent1"/>
+            </a:lnRef>
+            <a:fillRef idx="0">
+              <a:schemeClr val="accent1"/>
+            </a:fillRef>
+            <a:effectRef idx="0">
+              <a:schemeClr val="accent1"/>
+            </a:effectRef>
+            <a:fontRef idx="minor">
+              <a:schemeClr val="tx1"/>
+            </a:fontRef>
+          </p:style>
+        </p:cxnSp>
+        <p:cxnSp>
+          <p:nvCxnSpPr>
+            <p:cNvPr id="14" name="Straight Connector 13">
+              <a:extLst>
+                <a:ext uri="{FF2B5EF4-FFF2-40B4-BE49-F238E27FC236}">
+                  <a16:creationId xmlns:a16="http://schemas.microsoft.com/office/drawing/2014/main" id="{1002DF07-0E13-B858-3BA7-5900F9516216}"/>
+                </a:ext>
+              </a:extLst>
+            </p:cNvPr>
+            <p:cNvCxnSpPr>
+              <a:cxnSpLocks/>
+              <a:stCxn id="4" idx="5"/>
+              <a:endCxn id="6" idx="1"/>
+            </p:cNvCxnSpPr>
+            <p:nvPr/>
+          </p:nvCxnSpPr>
+          <p:spPr>
+            <a:xfrm>
+              <a:off x="6584165" y="3259380"/>
+              <a:ext cx="1375101" cy="495300"/>
+            </a:xfrm>
+            <a:prstGeom prst="line">
+              <a:avLst/>
+            </a:prstGeom>
+            <a:ln>
+              <a:solidFill>
+                <a:schemeClr val="tx1"/>
+              </a:solidFill>
+            </a:ln>
+          </p:spPr>
+          <p:style>
+            <a:lnRef idx="1">
+              <a:schemeClr val="accent1"/>
+            </a:lnRef>
+            <a:fillRef idx="0">
+              <a:schemeClr val="accent1"/>
+            </a:fillRef>
+            <a:effectRef idx="0">
+              <a:schemeClr val="accent1"/>
+            </a:effectRef>
+            <a:fontRef idx="minor">
+              <a:schemeClr val="tx1"/>
+            </a:fontRef>
+          </p:style>
+        </p:cxnSp>
+        <p:cxnSp>
+          <p:nvCxnSpPr>
+            <p:cNvPr id="15" name="Straight Connector 14">
+              <a:extLst>
+                <a:ext uri="{FF2B5EF4-FFF2-40B4-BE49-F238E27FC236}">
+                  <a16:creationId xmlns:a16="http://schemas.microsoft.com/office/drawing/2014/main" id="{C184EDD4-811C-EDDD-E685-8BB995834CA3}"/>
+                </a:ext>
+              </a:extLst>
+            </p:cNvPr>
+            <p:cNvCxnSpPr>
+              <a:stCxn id="8" idx="1"/>
+              <a:endCxn id="5" idx="5"/>
+            </p:cNvCxnSpPr>
+            <p:nvPr/>
+          </p:nvCxnSpPr>
+          <p:spPr>
+            <a:xfrm flipH="1" flipV="1">
+              <a:off x="4778310" y="4269598"/>
+              <a:ext cx="533662" cy="256536"/>
+            </a:xfrm>
+            <a:prstGeom prst="line">
+              <a:avLst/>
+            </a:prstGeom>
+            <a:ln>
+              <a:solidFill>
+                <a:schemeClr val="tx1"/>
+              </a:solidFill>
+            </a:ln>
+          </p:spPr>
+          <p:style>
+            <a:lnRef idx="1">
+              <a:schemeClr val="accent1"/>
+            </a:lnRef>
+            <a:fillRef idx="0">
+              <a:schemeClr val="accent1"/>
+            </a:fillRef>
+            <a:effectRef idx="0">
+              <a:schemeClr val="accent1"/>
+            </a:effectRef>
+            <a:fontRef idx="minor">
+              <a:schemeClr val="tx1"/>
+            </a:fontRef>
+          </p:style>
+        </p:cxnSp>
+        <p:cxnSp>
+          <p:nvCxnSpPr>
+            <p:cNvPr id="16" name="Straight Connector 15">
+              <a:extLst>
+                <a:ext uri="{FF2B5EF4-FFF2-40B4-BE49-F238E27FC236}">
+                  <a16:creationId xmlns:a16="http://schemas.microsoft.com/office/drawing/2014/main" id="{8D010E68-C147-D53D-76FA-0AC012CD9A6F}"/>
+                </a:ext>
+              </a:extLst>
+            </p:cNvPr>
+            <p:cNvCxnSpPr>
+              <a:stCxn id="7" idx="7"/>
+              <a:endCxn id="5" idx="3"/>
+            </p:cNvCxnSpPr>
+            <p:nvPr/>
+          </p:nvCxnSpPr>
+          <p:spPr>
+            <a:xfrm flipV="1">
+              <a:off x="3787711" y="4269598"/>
+              <a:ext cx="504057" cy="214672"/>
+            </a:xfrm>
+            <a:prstGeom prst="line">
+              <a:avLst/>
+            </a:prstGeom>
+            <a:ln>
+              <a:solidFill>
+                <a:schemeClr val="tx1"/>
+              </a:solidFill>
+            </a:ln>
+          </p:spPr>
+          <p:style>
+            <a:lnRef idx="1">
+              <a:schemeClr val="accent1"/>
+            </a:lnRef>
+            <a:fillRef idx="0">
+              <a:schemeClr val="accent1"/>
+            </a:fillRef>
+            <a:effectRef idx="0">
+              <a:schemeClr val="accent1"/>
+            </a:effectRef>
+            <a:fontRef idx="minor">
+              <a:schemeClr val="tx1"/>
+            </a:fontRef>
+          </p:style>
+        </p:cxnSp>
+        <p:cxnSp>
+          <p:nvCxnSpPr>
+            <p:cNvPr id="17" name="Straight Connector 16">
+              <a:extLst>
+                <a:ext uri="{FF2B5EF4-FFF2-40B4-BE49-F238E27FC236}">
+                  <a16:creationId xmlns:a16="http://schemas.microsoft.com/office/drawing/2014/main" id="{9C35A445-FC36-61C2-4F6B-88DF180C943C}"/>
+                </a:ext>
+              </a:extLst>
+            </p:cNvPr>
+            <p:cNvCxnSpPr>
+              <a:stCxn id="12" idx="0"/>
+              <a:endCxn id="7" idx="5"/>
+            </p:cNvCxnSpPr>
+            <p:nvPr/>
+          </p:nvCxnSpPr>
+          <p:spPr>
+            <a:xfrm flipH="1" flipV="1">
+              <a:off x="3787711" y="4970813"/>
+              <a:ext cx="290129" cy="381930"/>
+            </a:xfrm>
+            <a:prstGeom prst="line">
+              <a:avLst/>
+            </a:prstGeom>
+            <a:ln>
+              <a:solidFill>
+                <a:schemeClr val="tx1"/>
+              </a:solidFill>
+            </a:ln>
+          </p:spPr>
+          <p:style>
+            <a:lnRef idx="1">
+              <a:schemeClr val="accent1"/>
+            </a:lnRef>
+            <a:fillRef idx="0">
+              <a:schemeClr val="accent1"/>
+            </a:fillRef>
+            <a:effectRef idx="0">
+              <a:schemeClr val="accent1"/>
+            </a:effectRef>
+            <a:fontRef idx="minor">
+              <a:schemeClr val="tx1"/>
+            </a:fontRef>
+          </p:style>
+        </p:cxnSp>
+        <p:cxnSp>
+          <p:nvCxnSpPr>
+            <p:cNvPr id="18" name="Straight Connector 17">
+              <a:extLst>
+                <a:ext uri="{FF2B5EF4-FFF2-40B4-BE49-F238E27FC236}">
+                  <a16:creationId xmlns:a16="http://schemas.microsoft.com/office/drawing/2014/main" id="{16173BE8-0C63-61AC-C82D-DA0736EC7C33}"/>
+                </a:ext>
+              </a:extLst>
+            </p:cNvPr>
+            <p:cNvCxnSpPr>
+              <a:stCxn id="11" idx="0"/>
+              <a:endCxn id="7" idx="3"/>
+            </p:cNvCxnSpPr>
+            <p:nvPr/>
+          </p:nvCxnSpPr>
+          <p:spPr>
+            <a:xfrm flipV="1">
+              <a:off x="2934839" y="4970813"/>
+              <a:ext cx="366328" cy="381930"/>
+            </a:xfrm>
+            <a:prstGeom prst="line">
+              <a:avLst/>
+            </a:prstGeom>
+            <a:ln>
+              <a:solidFill>
+                <a:schemeClr val="tx1"/>
+              </a:solidFill>
+            </a:ln>
+          </p:spPr>
+          <p:style>
+            <a:lnRef idx="1">
+              <a:schemeClr val="accent1"/>
+            </a:lnRef>
+            <a:fillRef idx="0">
+              <a:schemeClr val="accent1"/>
+            </a:fillRef>
+            <a:effectRef idx="0">
+              <a:schemeClr val="accent1"/>
+            </a:effectRef>
+            <a:fontRef idx="minor">
+              <a:schemeClr val="tx1"/>
+            </a:fontRef>
+          </p:style>
+        </p:cxnSp>
+        <p:cxnSp>
+          <p:nvCxnSpPr>
+            <p:cNvPr id="19" name="Straight Connector 18">
+              <a:extLst>
+                <a:ext uri="{FF2B5EF4-FFF2-40B4-BE49-F238E27FC236}">
+                  <a16:creationId xmlns:a16="http://schemas.microsoft.com/office/drawing/2014/main" id="{5859FA23-DDB5-C437-52D4-C8687D34BF71}"/>
+                </a:ext>
+              </a:extLst>
+            </p:cNvPr>
+            <p:cNvCxnSpPr>
+              <a:stCxn id="9" idx="7"/>
+              <a:endCxn id="6" idx="3"/>
+            </p:cNvCxnSpPr>
+            <p:nvPr/>
+          </p:nvCxnSpPr>
+          <p:spPr>
+            <a:xfrm flipV="1">
+              <a:off x="7521511" y="4241222"/>
+              <a:ext cx="437755" cy="201534"/>
+            </a:xfrm>
+            <a:prstGeom prst="line">
+              <a:avLst/>
+            </a:prstGeom>
+            <a:ln>
+              <a:solidFill>
+                <a:schemeClr val="tx1"/>
+              </a:solidFill>
+            </a:ln>
+          </p:spPr>
+          <p:style>
+            <a:lnRef idx="1">
+              <a:schemeClr val="accent1"/>
+            </a:lnRef>
+            <a:fillRef idx="0">
+              <a:schemeClr val="accent1"/>
+            </a:fillRef>
+            <a:effectRef idx="0">
+              <a:schemeClr val="accent1"/>
+            </a:effectRef>
+            <a:fontRef idx="minor">
+              <a:schemeClr val="tx1"/>
+            </a:fontRef>
+          </p:style>
+        </p:cxnSp>
+        <p:cxnSp>
+          <p:nvCxnSpPr>
+            <p:cNvPr id="20" name="Straight Connector 19">
+              <a:extLst>
+                <a:ext uri="{FF2B5EF4-FFF2-40B4-BE49-F238E27FC236}">
+                  <a16:creationId xmlns:a16="http://schemas.microsoft.com/office/drawing/2014/main" id="{9F0309B5-D192-7F29-3E8C-A9BE86027085}"/>
+                </a:ext>
+              </a:extLst>
+            </p:cNvPr>
+            <p:cNvCxnSpPr>
+              <a:stCxn id="10" idx="1"/>
+              <a:endCxn id="6" idx="5"/>
+            </p:cNvCxnSpPr>
+            <p:nvPr/>
+          </p:nvCxnSpPr>
+          <p:spPr>
+            <a:xfrm flipH="1" flipV="1">
+              <a:off x="8445808" y="4241222"/>
+              <a:ext cx="491882" cy="201534"/>
+            </a:xfrm>
+            <a:prstGeom prst="line">
+              <a:avLst/>
+            </a:prstGeom>
+            <a:ln>
+              <a:solidFill>
+                <a:schemeClr val="tx1"/>
+              </a:solidFill>
+            </a:ln>
+          </p:spPr>
+          <p:style>
+            <a:lnRef idx="1">
+              <a:schemeClr val="accent1"/>
+            </a:lnRef>
+            <a:fillRef idx="0">
+              <a:schemeClr val="accent1"/>
+            </a:fillRef>
+            <a:effectRef idx="0">
+              <a:schemeClr val="accent1"/>
+            </a:effectRef>
+            <a:fontRef idx="minor">
+              <a:schemeClr val="tx1"/>
+            </a:fontRef>
+          </p:style>
+        </p:cxnSp>
+      </p:grpSp>
+    </p:spTree>
+    <p:extLst>
+      <p:ext uri="{BB962C8B-B14F-4D97-AF65-F5344CB8AC3E}">
+        <p14:creationId xmlns:p14="http://schemas.microsoft.com/office/powerpoint/2010/main" val="52072767"/>
+      </p:ext>
+    </p:extLst>
+  </p:cSld>
+  <p:clrMapOvr>
+    <a:masterClrMapping/>
+  </p:clrMapOvr>
+</p:sld>
+</file>
+
+<file path=ppt/slides/slide9.xml><?xml version="1.0" encoding="utf-8"?>
+<p:sld xmlns:a="http://schemas.openxmlformats.org/drawingml/2006/main" xmlns:r="http://schemas.openxmlformats.org/officeDocument/2006/relationships" xmlns:p="http://schemas.openxmlformats.org/presentationml/2006/main">
+  <p:cSld>
+    <p:spTree>
+      <p:nvGrpSpPr>
+        <p:cNvPr id="1" name=""/>
+        <p:cNvGrpSpPr/>
+        <p:nvPr/>
+      </p:nvGrpSpPr>
+      <p:grpSpPr>
+        <a:xfrm>
+          <a:off x="0" y="0"/>
+          <a:ext cx="0" cy="0"/>
+          <a:chOff x="0" y="0"/>
+          <a:chExt cx="0" cy="0"/>
+        </a:xfrm>
+      </p:grpSpPr>
+      <mc:AlternateContent xmlns:mc="http://schemas.openxmlformats.org/markup-compatibility/2006">
+        <mc:Choice xmlns:a14="http://schemas.microsoft.com/office/drawing/2010/main" Requires="a14">
+          <p:sp>
+            <p:nvSpPr>
+              <p:cNvPr id="2" name="Title 1">
+                <a:extLst>
+                  <a:ext uri="{FF2B5EF4-FFF2-40B4-BE49-F238E27FC236}">
+                    <a16:creationId xmlns:a16="http://schemas.microsoft.com/office/drawing/2014/main" id="{7CEA206E-E4F0-F25D-7FB9-EC12CCD00DB7}"/>
+                  </a:ext>
+                </a:extLst>
+              </p:cNvPr>
+              <p:cNvSpPr>
+                <a:spLocks noGrp="1"/>
+              </p:cNvSpPr>
+              <p:nvPr>
+                <p:ph type="title"/>
+              </p:nvPr>
+            </p:nvSpPr>
+            <p:spPr/>
+            <p:txBody>
+              <a:bodyPr/>
+              <a:lstStyle/>
+              <a:p>
+                <a:r>
+                  <a:rPr lang="en-US" dirty="0"/>
+                  <a:t>Achieving </a:t>
+                </a:r>
+                <a14:m>
+                  <m:oMath xmlns:m="http://schemas.openxmlformats.org/officeDocument/2006/math">
+                    <m:func>
+                      <m:funcPr>
+                        <m:ctrlPr>
+                          <a:rPr lang="en-US" b="0" i="1" smtClean="0">
+                            <a:latin typeface="Cambria Math" panose="02040503050406030204" pitchFamily="18" charset="0"/>
+                          </a:rPr>
+                        </m:ctrlPr>
+                      </m:funcPr>
+                      <m:fName>
+                        <m:r>
+                          <m:rPr>
+                            <m:sty m:val="p"/>
+                          </m:rPr>
+                          <a:rPr lang="en-US" b="0" i="0" smtClean="0">
+                            <a:latin typeface="Cambria Math" panose="02040503050406030204" pitchFamily="18" charset="0"/>
+                          </a:rPr>
+                          <m:t>log</m:t>
+                        </m:r>
+                      </m:fName>
+                      <m:e>
+                        <m:r>
+                          <a:rPr lang="en-US" b="0" i="1" smtClean="0">
+                            <a:latin typeface="Cambria Math" panose="02040503050406030204" pitchFamily="18" charset="0"/>
+                          </a:rPr>
+                          <m:t>𝑛</m:t>
+                        </m:r>
+                      </m:e>
+                    </m:func>
+                  </m:oMath>
+                </a14:m>
+                <a:r>
+                  <a:rPr lang="en-US" dirty="0"/>
+                  <a:t> Running Time</a:t>
+                </a:r>
+              </a:p>
+            </p:txBody>
+          </p:sp>
+        </mc:Choice>
+        <mc:Fallback>
+          <p:sp>
+            <p:nvSpPr>
+              <p:cNvPr id="2" name="Title 1">
+                <a:extLst>
+                  <a:ext uri="{FF2B5EF4-FFF2-40B4-BE49-F238E27FC236}">
+                    <a16:creationId xmlns:a16="http://schemas.microsoft.com/office/drawing/2014/main" id="{7CEA206E-E4F0-F25D-7FB9-EC12CCD00DB7}"/>
+                  </a:ext>
+                </a:extLst>
+              </p:cNvPr>
+              <p:cNvSpPr>
+                <a:spLocks noGrp="1" noRot="1" noChangeAspect="1" noMove="1" noResize="1" noEditPoints="1" noAdjustHandles="1" noChangeArrowheads="1" noChangeShapeType="1" noTextEdit="1"/>
+              </p:cNvSpPr>
+              <p:nvPr>
+                <p:ph type="title"/>
+              </p:nvPr>
+            </p:nvSpPr>
+            <p:spPr>
+              <a:blipFill>
+                <a:blip r:embed="rId2"/>
+                <a:stretch>
+                  <a:fillRect l="-2377"/>
+                </a:stretch>
+              </a:blipFill>
+            </p:spPr>
+            <p:txBody>
+              <a:bodyPr/>
+              <a:lstStyle/>
+              <a:p>
+                <a:r>
+                  <a:rPr lang="en-US">
+                    <a:noFill/>
+                  </a:rPr>
+                  <a:t> </a:t>
+                </a:r>
+              </a:p>
+            </p:txBody>
+          </p:sp>
+        </mc:Fallback>
+      </mc:AlternateContent>
+      <mc:AlternateContent xmlns:mc="http://schemas.openxmlformats.org/markup-compatibility/2006">
+        <mc:Choice xmlns:a14="http://schemas.microsoft.com/office/drawing/2010/main" Requires="a14">
+          <p:sp>
+            <p:nvSpPr>
+              <p:cNvPr id="3" name="Content Placeholder 2">
+                <a:extLst>
+                  <a:ext uri="{FF2B5EF4-FFF2-40B4-BE49-F238E27FC236}">
+                    <a16:creationId xmlns:a16="http://schemas.microsoft.com/office/drawing/2014/main" id="{B18C1EDC-77CF-F245-8CDE-E3968F223C83}"/>
+                  </a:ext>
+                </a:extLst>
+              </p:cNvPr>
+              <p:cNvSpPr>
+                <a:spLocks noGrp="1"/>
+              </p:cNvSpPr>
+              <p:nvPr>
+                <p:ph idx="1"/>
+              </p:nvPr>
+            </p:nvSpPr>
+            <p:spPr/>
+            <p:txBody>
+              <a:bodyPr>
+                <a:normAutofit fontScale="92500" lnSpcReduction="10000"/>
+              </a:bodyPr>
+              <a:lstStyle/>
+              <a:p>
+                <a:r>
+                  <a:rPr lang="en-US" dirty="0"/>
+                  <a:t>What is the maximum number of total nodes in a binary tree of height </a:t>
+                </a:r>
+                <a14:m>
+                  <m:oMath xmlns:m="http://schemas.openxmlformats.org/officeDocument/2006/math">
+                    <m:r>
+                      <a:rPr lang="en-US" b="0" i="1" smtClean="0">
+                        <a:latin typeface="Cambria Math" panose="02040503050406030204" pitchFamily="18" charset="0"/>
+                      </a:rPr>
+                      <m:t>h</m:t>
+                    </m:r>
+                  </m:oMath>
+                </a14:m>
+                <a:r>
+                  <a:rPr lang="en-US" dirty="0"/>
+                  <a:t>?</a:t>
+                </a:r>
+              </a:p>
+              <a:p>
+                <a:pPr lvl="1"/>
+                <a14:m>
+                  <m:oMath xmlns:m="http://schemas.openxmlformats.org/officeDocument/2006/math">
+                    <m:sSup>
+                      <m:sSupPr>
+                        <m:ctrlPr>
+                          <a:rPr lang="en-US" b="0" i="1" smtClean="0">
+                            <a:latin typeface="Cambria Math" panose="02040503050406030204" pitchFamily="18" charset="0"/>
+                          </a:rPr>
+                        </m:ctrlPr>
+                      </m:sSupPr>
+                      <m:e>
+                        <m:r>
+                          <a:rPr lang="en-US" b="0" i="1" smtClean="0">
+                            <a:latin typeface="Cambria Math" panose="02040503050406030204" pitchFamily="18" charset="0"/>
+                          </a:rPr>
+                          <m:t>2</m:t>
+                        </m:r>
+                      </m:e>
+                      <m:sup>
+                        <m:r>
+                          <a:rPr lang="en-US" b="0" i="1" smtClean="0">
+                            <a:latin typeface="Cambria Math" panose="02040503050406030204" pitchFamily="18" charset="0"/>
+                          </a:rPr>
+                          <m:t>h</m:t>
+                        </m:r>
+                        <m:r>
+                          <a:rPr lang="en-US" b="0" i="1" smtClean="0">
+                            <a:latin typeface="Cambria Math" panose="02040503050406030204" pitchFamily="18" charset="0"/>
+                          </a:rPr>
+                          <m:t>+1</m:t>
+                        </m:r>
+                      </m:sup>
+                    </m:sSup>
+                    <m:r>
+                      <a:rPr lang="en-US" b="0" i="1" smtClean="0">
+                        <a:latin typeface="Cambria Math" panose="02040503050406030204" pitchFamily="18" charset="0"/>
+                      </a:rPr>
+                      <m:t>−1</m:t>
+                    </m:r>
+                  </m:oMath>
+                </a14:m>
+                <a:endParaRPr lang="en-US" dirty="0"/>
+              </a:p>
+              <a:p>
+                <a:pPr lvl="1"/>
+                <a14:m>
+                  <m:oMath xmlns:m="http://schemas.openxmlformats.org/officeDocument/2006/math">
+                    <m:r>
+                      <m:rPr>
+                        <m:sty m:val="p"/>
+                      </m:rPr>
+                      <a:rPr lang="en-US" b="0" i="0" smtClean="0">
+                        <a:latin typeface="Cambria Math" panose="02040503050406030204" pitchFamily="18" charset="0"/>
+                      </a:rPr>
+                      <m:t>Θ</m:t>
+                    </m:r>
+                    <m:d>
+                      <m:dPr>
+                        <m:ctrlPr>
+                          <a:rPr lang="en-US" b="0" i="1" smtClean="0">
+                            <a:latin typeface="Cambria Math" panose="02040503050406030204" pitchFamily="18" charset="0"/>
+                          </a:rPr>
+                        </m:ctrlPr>
+                      </m:dPr>
+                      <m:e>
+                        <m:sSup>
+                          <m:sSupPr>
+                            <m:ctrlPr>
+                              <a:rPr lang="en-US" b="0" i="1" smtClean="0">
+                                <a:latin typeface="Cambria Math" panose="02040503050406030204" pitchFamily="18" charset="0"/>
+                              </a:rPr>
+                            </m:ctrlPr>
+                          </m:sSupPr>
+                          <m:e>
+                            <m:r>
+                              <a:rPr lang="en-US" b="0" i="1" smtClean="0">
+                                <a:latin typeface="Cambria Math" panose="02040503050406030204" pitchFamily="18" charset="0"/>
+                              </a:rPr>
+                              <m:t>2</m:t>
+                            </m:r>
+                          </m:e>
+                          <m:sup>
+                            <m:r>
+                              <a:rPr lang="en-US" b="0" i="1" smtClean="0">
+                                <a:latin typeface="Cambria Math" panose="02040503050406030204" pitchFamily="18" charset="0"/>
+                              </a:rPr>
+                              <m:t>h</m:t>
+                            </m:r>
+                          </m:sup>
+                        </m:sSup>
+                      </m:e>
+                    </m:d>
+                  </m:oMath>
+                </a14:m>
+                <a:endParaRPr lang="en-US" dirty="0"/>
+              </a:p>
+              <a:p>
+                <a:r>
+                  <a:rPr lang="en-US" dirty="0"/>
+                  <a:t>If I have </a:t>
+                </a:r>
+                <a14:m>
+                  <m:oMath xmlns:m="http://schemas.openxmlformats.org/officeDocument/2006/math">
+                    <m:r>
+                      <a:rPr lang="en-US" b="0" i="1" smtClean="0">
+                        <a:latin typeface="Cambria Math" panose="02040503050406030204" pitchFamily="18" charset="0"/>
+                      </a:rPr>
+                      <m:t>𝑛</m:t>
+                    </m:r>
+                  </m:oMath>
+                </a14:m>
+                <a:r>
+                  <a:rPr lang="en-US" dirty="0"/>
+                  <a:t> nodes in a binary tree, what is its minimum height?</a:t>
+                </a:r>
+                <a:endParaRPr lang="en-US" b="0" dirty="0"/>
+              </a:p>
+              <a:p>
+                <a:pPr lvl="1"/>
+                <a:r>
+                  <a:rPr lang="en-US" b="0" dirty="0"/>
+                  <a:t>Find the smallest </a:t>
+                </a:r>
+                <a14:m>
+                  <m:oMath xmlns:m="http://schemas.openxmlformats.org/officeDocument/2006/math">
+                    <m:r>
+                      <a:rPr lang="en-US" b="0" i="1" dirty="0" smtClean="0">
+                        <a:latin typeface="Cambria Math" panose="02040503050406030204" pitchFamily="18" charset="0"/>
+                      </a:rPr>
+                      <m:t>h</m:t>
+                    </m:r>
+                  </m:oMath>
+                </a14:m>
+                <a:r>
+                  <a:rPr lang="en-US" b="0" dirty="0"/>
+                  <a:t> such that: </a:t>
+                </a:r>
+                <a14:m>
+                  <m:oMath xmlns:m="http://schemas.openxmlformats.org/officeDocument/2006/math">
+                    <m:r>
+                      <a:rPr lang="en-US" b="0" i="1" smtClean="0">
+                        <a:latin typeface="Cambria Math" panose="02040503050406030204" pitchFamily="18" charset="0"/>
+                      </a:rPr>
+                      <m:t>𝑛</m:t>
+                    </m:r>
+                    <m:r>
+                      <a:rPr lang="en-US" b="0" i="1" smtClean="0">
+                        <a:latin typeface="Cambria Math" panose="02040503050406030204" pitchFamily="18" charset="0"/>
+                      </a:rPr>
+                      <m:t>≤</m:t>
+                    </m:r>
+                    <m:sSup>
+                      <m:sSupPr>
+                        <m:ctrlPr>
+                          <a:rPr lang="en-US" b="0" i="1" smtClean="0">
+                            <a:latin typeface="Cambria Math" panose="02040503050406030204" pitchFamily="18" charset="0"/>
+                          </a:rPr>
+                        </m:ctrlPr>
+                      </m:sSupPr>
+                      <m:e>
+                        <m:r>
+                          <a:rPr lang="en-US" b="0" i="1" smtClean="0">
+                            <a:latin typeface="Cambria Math" panose="02040503050406030204" pitchFamily="18" charset="0"/>
+                          </a:rPr>
+                          <m:t>2</m:t>
+                        </m:r>
+                      </m:e>
+                      <m:sup>
+                        <m:r>
+                          <a:rPr lang="en-US" b="0" i="1" smtClean="0">
+                            <a:latin typeface="Cambria Math" panose="02040503050406030204" pitchFamily="18" charset="0"/>
+                          </a:rPr>
+                          <m:t>h</m:t>
+                        </m:r>
+                        <m:r>
+                          <a:rPr lang="en-US" b="0" i="1" smtClean="0">
+                            <a:latin typeface="Cambria Math" panose="02040503050406030204" pitchFamily="18" charset="0"/>
+                          </a:rPr>
+                          <m:t>+1</m:t>
+                        </m:r>
+                      </m:sup>
+                    </m:sSup>
+                    <m:r>
+                      <a:rPr lang="en-US" b="0" i="1" smtClean="0">
+                        <a:latin typeface="Cambria Math" panose="02040503050406030204" pitchFamily="18" charset="0"/>
+                      </a:rPr>
+                      <m:t>−1</m:t>
+                    </m:r>
+                  </m:oMath>
+                </a14:m>
+                <a:endParaRPr lang="en-US" b="0" i="0" dirty="0">
+                  <a:latin typeface="Cambria Math" panose="02040503050406030204" pitchFamily="18" charset="0"/>
+                </a:endParaRPr>
+              </a:p>
+              <a:p>
+                <a:pPr lvl="1"/>
+                <a:r>
+                  <a:rPr lang="en-US" b="0" dirty="0"/>
+                  <a:t>Solve for </a:t>
+                </a:r>
+                <a14:m>
+                  <m:oMath xmlns:m="http://schemas.openxmlformats.org/officeDocument/2006/math">
+                    <m:r>
+                      <a:rPr lang="en-US" b="0" i="1" dirty="0" smtClean="0">
+                        <a:latin typeface="Cambria Math" panose="02040503050406030204" pitchFamily="18" charset="0"/>
+                      </a:rPr>
+                      <m:t>h</m:t>
+                    </m:r>
+                  </m:oMath>
+                </a14:m>
+                <a:r>
+                  <a:rPr lang="en-US" b="0" dirty="0"/>
+                  <a:t>: </a:t>
+                </a:r>
+                <a14:m>
+                  <m:oMath xmlns:m="http://schemas.openxmlformats.org/officeDocument/2006/math">
+                    <m:r>
+                      <a:rPr lang="en-US" b="0" i="1" smtClean="0">
+                        <a:latin typeface="Cambria Math" panose="02040503050406030204" pitchFamily="18" charset="0"/>
+                      </a:rPr>
+                      <m:t>⌈</m:t>
+                    </m:r>
+                    <m:func>
+                      <m:funcPr>
+                        <m:ctrlPr>
+                          <a:rPr lang="en-US" b="0" i="1" smtClean="0">
+                            <a:latin typeface="Cambria Math" panose="02040503050406030204" pitchFamily="18" charset="0"/>
+                          </a:rPr>
+                        </m:ctrlPr>
+                      </m:funcPr>
+                      <m:fName>
+                        <m:r>
+                          <m:rPr>
+                            <m:sty m:val="p"/>
+                          </m:rPr>
+                          <a:rPr lang="en-US" b="0" i="0" smtClean="0">
+                            <a:latin typeface="Cambria Math" panose="02040503050406030204" pitchFamily="18" charset="0"/>
+                          </a:rPr>
+                          <m:t>log</m:t>
+                        </m:r>
+                      </m:fName>
+                      <m:e>
+                        <m:d>
+                          <m:dPr>
+                            <m:ctrlPr>
+                              <a:rPr lang="en-US" b="0" i="1" smtClean="0">
+                                <a:latin typeface="Cambria Math" panose="02040503050406030204" pitchFamily="18" charset="0"/>
+                              </a:rPr>
+                            </m:ctrlPr>
+                          </m:dPr>
+                          <m:e>
+                            <m:r>
+                              <a:rPr lang="en-US" b="0" i="1" smtClean="0">
+                                <a:latin typeface="Cambria Math" panose="02040503050406030204" pitchFamily="18" charset="0"/>
+                              </a:rPr>
+                              <m:t>𝑛</m:t>
+                            </m:r>
+                            <m:r>
+                              <a:rPr lang="en-US" b="0" i="1" smtClean="0">
+                                <a:latin typeface="Cambria Math" panose="02040503050406030204" pitchFamily="18" charset="0"/>
+                              </a:rPr>
+                              <m:t>+1</m:t>
+                            </m:r>
+                          </m:e>
+                        </m:d>
+                      </m:e>
+                    </m:func>
+                    <m:r>
+                      <a:rPr lang="en-US" b="0" i="1" smtClean="0">
+                        <a:latin typeface="Cambria Math" panose="02040503050406030204" pitchFamily="18" charset="0"/>
+                      </a:rPr>
+                      <m:t>−1⌉=</m:t>
+                    </m:r>
+                    <m:r>
+                      <a:rPr lang="en-US" b="0" i="1" smtClean="0">
+                        <a:latin typeface="Cambria Math" panose="02040503050406030204" pitchFamily="18" charset="0"/>
+                      </a:rPr>
+                      <m:t>h</m:t>
+                    </m:r>
+                  </m:oMath>
+                </a14:m>
+                <a:endParaRPr lang="en-US" b="0" i="0" dirty="0">
+                  <a:latin typeface="Cambria Math" panose="02040503050406030204" pitchFamily="18" charset="0"/>
+                </a:endParaRPr>
+              </a:p>
+              <a:p>
+                <a:pPr lvl="1"/>
+                <a:r>
+                  <a:rPr lang="en-US" dirty="0"/>
+                  <a:t>H</a:t>
+                </a:r>
+                <a:r>
+                  <a:rPr lang="en-US" b="0" dirty="0"/>
+                  <a:t>eight is </a:t>
+                </a:r>
+                <a14:m>
+                  <m:oMath xmlns:m="http://schemas.openxmlformats.org/officeDocument/2006/math">
+                    <m:r>
+                      <m:rPr>
+                        <m:sty m:val="p"/>
+                      </m:rPr>
+                      <a:rPr lang="en-US" b="0" i="0" smtClean="0">
+                        <a:latin typeface="Cambria Math" panose="02040503050406030204" pitchFamily="18" charset="0"/>
+                      </a:rPr>
+                      <m:t>Θ</m:t>
+                    </m:r>
+                    <m:d>
+                      <m:dPr>
+                        <m:ctrlPr>
+                          <a:rPr lang="en-US" b="0" i="1" smtClean="0">
+                            <a:latin typeface="Cambria Math" panose="02040503050406030204" pitchFamily="18" charset="0"/>
+                          </a:rPr>
+                        </m:ctrlPr>
+                      </m:dPr>
+                      <m:e>
+                        <m:func>
+                          <m:funcPr>
+                            <m:ctrlPr>
+                              <a:rPr lang="en-US" b="0" i="1" smtClean="0">
+                                <a:latin typeface="Cambria Math" panose="02040503050406030204" pitchFamily="18" charset="0"/>
+                              </a:rPr>
+                            </m:ctrlPr>
+                          </m:funcPr>
+                          <m:fName>
+                            <m:r>
+                              <m:rPr>
+                                <m:sty m:val="p"/>
+                              </m:rPr>
+                              <a:rPr lang="en-US" b="0" i="0" smtClean="0">
+                                <a:latin typeface="Cambria Math" panose="02040503050406030204" pitchFamily="18" charset="0"/>
+                              </a:rPr>
+                              <m:t>log</m:t>
+                            </m:r>
+                          </m:fName>
+                          <m:e>
+                            <m:r>
+                              <a:rPr lang="en-US" b="0" i="1" smtClean="0">
+                                <a:latin typeface="Cambria Math" panose="02040503050406030204" pitchFamily="18" charset="0"/>
+                              </a:rPr>
+                              <m:t>𝑛</m:t>
+                            </m:r>
+                          </m:e>
+                        </m:func>
+                      </m:e>
+                    </m:d>
+                  </m:oMath>
+                </a14:m>
+                <a:endParaRPr lang="en-US" dirty="0"/>
+              </a:p>
+              <a:p>
+                <a:pPr lvl="1"/>
+                <a:endParaRPr lang="en-US" dirty="0"/>
+              </a:p>
+              <a:p>
+                <a:r>
+                  <a:rPr lang="en-US" dirty="0">
+                    <a:solidFill>
+                      <a:srgbClr val="FF0000"/>
+                    </a:solidFill>
+                  </a:rPr>
+                  <a:t>Heap Idea:</a:t>
+                </a:r>
+              </a:p>
+              <a:p>
+                <a:pPr lvl="1"/>
+                <a:r>
+                  <a:rPr lang="en-US" dirty="0">
+                    <a:solidFill>
+                      <a:srgbClr val="FF0000"/>
+                    </a:solidFill>
+                  </a:rPr>
+                  <a:t>If </a:t>
+                </a:r>
+                <a14:m>
+                  <m:oMath xmlns:m="http://schemas.openxmlformats.org/officeDocument/2006/math">
+                    <m:r>
+                      <a:rPr lang="en-US" b="0" i="1" smtClean="0">
+                        <a:solidFill>
+                          <a:srgbClr val="FF0000"/>
+                        </a:solidFill>
+                        <a:latin typeface="Cambria Math" panose="02040503050406030204" pitchFamily="18" charset="0"/>
+                      </a:rPr>
+                      <m:t>𝑛</m:t>
+                    </m:r>
+                  </m:oMath>
+                </a14:m>
+                <a:r>
+                  <a:rPr lang="en-US" dirty="0">
+                    <a:solidFill>
+                      <a:srgbClr val="FF0000"/>
+                    </a:solidFill>
+                  </a:rPr>
+                  <a:t> values are inserted into a complete tree, the height will be roughly </a:t>
+                </a:r>
+                <a14:m>
+                  <m:oMath xmlns:m="http://schemas.openxmlformats.org/officeDocument/2006/math">
+                    <m:func>
+                      <m:funcPr>
+                        <m:ctrlPr>
+                          <a:rPr lang="en-US" b="0" i="1" smtClean="0">
+                            <a:solidFill>
+                              <a:srgbClr val="FF0000"/>
+                            </a:solidFill>
+                            <a:latin typeface="Cambria Math" panose="02040503050406030204" pitchFamily="18" charset="0"/>
+                          </a:rPr>
+                        </m:ctrlPr>
+                      </m:funcPr>
+                      <m:fName>
+                        <m:r>
+                          <m:rPr>
+                            <m:sty m:val="p"/>
+                          </m:rPr>
+                          <a:rPr lang="en-US" b="0" i="0" smtClean="0">
+                            <a:solidFill>
+                              <a:srgbClr val="FF0000"/>
+                            </a:solidFill>
+                            <a:latin typeface="Cambria Math" panose="02040503050406030204" pitchFamily="18" charset="0"/>
+                          </a:rPr>
+                          <m:t>log</m:t>
+                        </m:r>
+                      </m:fName>
+                      <m:e>
+                        <m:r>
+                          <a:rPr lang="en-US" b="0" i="1" smtClean="0">
+                            <a:solidFill>
+                              <a:srgbClr val="FF0000"/>
+                            </a:solidFill>
+                            <a:latin typeface="Cambria Math" panose="02040503050406030204" pitchFamily="18" charset="0"/>
+                          </a:rPr>
+                          <m:t>𝑛</m:t>
+                        </m:r>
+                      </m:e>
+                    </m:func>
+                  </m:oMath>
+                </a14:m>
+                <a:endParaRPr lang="en-US" b="0" dirty="0">
+                  <a:solidFill>
+                    <a:srgbClr val="FF0000"/>
+                  </a:solidFill>
+                </a:endParaRPr>
+              </a:p>
+              <a:p>
+                <a:pPr lvl="1"/>
+                <a:r>
+                  <a:rPr lang="en-US" dirty="0">
+                    <a:solidFill>
+                      <a:srgbClr val="FF0000"/>
+                    </a:solidFill>
+                  </a:rPr>
+                  <a:t>Ensure each insert and extract requires just one “trip” from root to leaf</a:t>
+                </a:r>
+              </a:p>
+            </p:txBody>
+          </p:sp>
+        </mc:Choice>
+        <mc:Fallback>
+          <p:sp>
+            <p:nvSpPr>
+              <p:cNvPr id="3" name="Content Placeholder 2">
+                <a:extLst>
+                  <a:ext uri="{FF2B5EF4-FFF2-40B4-BE49-F238E27FC236}">
+                    <a16:creationId xmlns:a16="http://schemas.microsoft.com/office/drawing/2014/main" id="{B18C1EDC-77CF-F245-8CDE-E3968F223C83}"/>
+                  </a:ext>
+                </a:extLst>
+              </p:cNvPr>
+              <p:cNvSpPr>
+                <a:spLocks noGrp="1" noRot="1" noChangeAspect="1" noMove="1" noResize="1" noEditPoints="1" noAdjustHandles="1" noChangeArrowheads="1" noChangeShapeType="1" noTextEdit="1"/>
+              </p:cNvSpPr>
+              <p:nvPr>
+                <p:ph idx="1"/>
+              </p:nvPr>
+            </p:nvSpPr>
+            <p:spPr>
+              <a:blipFill>
+                <a:blip r:embed="rId3"/>
+                <a:stretch>
+                  <a:fillRect l="-928" t="-2801"/>
+                </a:stretch>
+              </a:blipFill>
+            </p:spPr>
+            <p:txBody>
+              <a:bodyPr/>
+              <a:lstStyle/>
+              <a:p>
+                <a:r>
+                  <a:rPr lang="en-US">
+                    <a:noFill/>
+                  </a:rPr>
+                  <a:t> </a:t>
+                </a:r>
+              </a:p>
+            </p:txBody>
+          </p:sp>
+        </mc:Fallback>
+      </mc:AlternateContent>
+    </p:spTree>
+    <p:extLst>
+      <p:ext uri="{BB962C8B-B14F-4D97-AF65-F5344CB8AC3E}">
+        <p14:creationId xmlns:p14="http://schemas.microsoft.com/office/powerpoint/2010/main" val="153890225"/>
       </p:ext>
     </p:extLst>
   </p:cSld>
